--- a/宣道詩/(宣道詩211A)主愛說不盡.pptx
+++ b/宣道詩/(宣道詩211A)主愛說不盡.pptx
@@ -5,20 +5,29 @@
     <p:sldMasterId id="2147483660" r:id="rId1"/>
   </p:sldMasterIdLst>
   <p:notesMasterIdLst>
-    <p:notesMasterId r:id="rId10"/>
+    <p:notesMasterId r:id="rId19"/>
   </p:notesMasterIdLst>
   <p:handoutMasterIdLst>
-    <p:handoutMasterId r:id="rId11"/>
+    <p:handoutMasterId r:id="rId20"/>
   </p:handoutMasterIdLst>
   <p:sldIdLst>
-    <p:sldId id="1603" r:id="rId2"/>
-    <p:sldId id="1604" r:id="rId3"/>
-    <p:sldId id="1605" r:id="rId4"/>
-    <p:sldId id="1606" r:id="rId5"/>
-    <p:sldId id="1607" r:id="rId6"/>
-    <p:sldId id="1608" r:id="rId7"/>
-    <p:sldId id="1609" r:id="rId8"/>
-    <p:sldId id="1610" r:id="rId9"/>
+    <p:sldId id="1611" r:id="rId2"/>
+    <p:sldId id="1612" r:id="rId3"/>
+    <p:sldId id="1613" r:id="rId4"/>
+    <p:sldId id="1614" r:id="rId5"/>
+    <p:sldId id="1615" r:id="rId6"/>
+    <p:sldId id="1616" r:id="rId7"/>
+    <p:sldId id="1617" r:id="rId8"/>
+    <p:sldId id="1618" r:id="rId9"/>
+    <p:sldId id="1619" r:id="rId10"/>
+    <p:sldId id="1620" r:id="rId11"/>
+    <p:sldId id="1621" r:id="rId12"/>
+    <p:sldId id="1622" r:id="rId13"/>
+    <p:sldId id="1623" r:id="rId14"/>
+    <p:sldId id="1624" r:id="rId15"/>
+    <p:sldId id="1625" r:id="rId16"/>
+    <p:sldId id="1626" r:id="rId17"/>
+    <p:sldId id="1627" r:id="rId18"/>
   </p:sldIdLst>
   <p:sldSz cx="12192000" cy="6858000"/>
   <p:notesSz cx="6858000" cy="9144000"/>
@@ -3724,180 +3733,1157 @@
       </p:grpSpPr>
       <p:sp>
         <p:nvSpPr>
-          <p:cNvPr id="4" name="Title 3"/>
+          <p:cNvPr id="4" name="標題 3"/>
           <p:cNvSpPr>
             <a:spLocks noGrp="1"/>
           </p:cNvSpPr>
           <p:nvPr>
             <p:ph type="title"/>
           </p:nvPr>
-        </p:nvSpPr>
-        <p:spPr/>
-        <p:txBody>
-          <a:bodyPr>
-            <a:normAutofit/>
-          </a:bodyPr>
-          <a:lstStyle/>
-          <a:p>
-            <a:r>
-              <a:rPr lang="en-US" altLang="zh-CN" sz="4800" b="1" dirty="0">
-                <a:solidFill>
-                  <a:srgbClr val="002060"/>
-                </a:solidFill>
-                <a:latin typeface="Microsoft JhengHei" panose="020B0604030504040204" pitchFamily="34" charset="-120"/>
-                <a:ea typeface="Microsoft JhengHei" panose="020B0604030504040204" pitchFamily="34" charset="-120"/>
-              </a:rPr>
-              <a:t>【</a:t>
-            </a:r>
-            <a:r>
-              <a:rPr lang="zh-CN" altLang="en-US" sz="4800" b="1" dirty="0">
-                <a:solidFill>
-                  <a:srgbClr val="002060"/>
-                </a:solidFill>
-                <a:latin typeface="Microsoft JhengHei" panose="020B0604030504040204" pitchFamily="34" charset="-120"/>
-                <a:ea typeface="Microsoft JhengHei" panose="020B0604030504040204" pitchFamily="34" charset="-120"/>
-              </a:rPr>
-              <a:t>主愛說不盡</a:t>
-            </a:r>
-            <a:r>
-              <a:rPr lang="en-US" altLang="zh-CN" sz="4800" b="1" dirty="0">
-                <a:solidFill>
-                  <a:srgbClr val="002060"/>
-                </a:solidFill>
-                <a:latin typeface="Microsoft JhengHei" panose="020B0604030504040204" pitchFamily="34" charset="-120"/>
-                <a:ea typeface="Microsoft JhengHei" panose="020B0604030504040204" pitchFamily="34" charset="-120"/>
-              </a:rPr>
-              <a:t>】</a:t>
-            </a:r>
-          </a:p>
-        </p:txBody>
-      </p:sp>
-      <p:sp>
-        <p:nvSpPr>
-          <p:cNvPr id="5" name="Content Placeholder 4"/>
-          <p:cNvSpPr>
-            <a:spLocks noGrp="1"/>
-          </p:cNvSpPr>
-          <p:nvPr>
-            <p:ph idx="1"/>
-          </p:nvPr>
-        </p:nvSpPr>
-        <p:spPr/>
-        <p:txBody>
-          <a:bodyPr>
-            <a:normAutofit/>
-          </a:bodyPr>
-          <a:lstStyle/>
-          <a:p>
-            <a:pPr marL="0" indent="0" algn="ctr">
-              <a:buNone/>
-            </a:pPr>
-            <a:r>
-              <a:rPr lang="zh-TW" altLang="en-US" sz="5400" b="1" dirty="0">
-                <a:solidFill>
-                  <a:srgbClr val="002060"/>
-                </a:solidFill>
-                <a:latin typeface="Microsoft JhengHei" panose="020B0604030504040204" pitchFamily="34" charset="-120"/>
-                <a:ea typeface="Microsoft JhengHei" panose="020B0604030504040204" pitchFamily="34" charset="-120"/>
-              </a:rPr>
-              <a:t>耶穌向我所存恩愛</a:t>
-            </a:r>
-          </a:p>
-          <a:p>
-            <a:pPr marL="0" indent="0" algn="ctr">
-              <a:buNone/>
-            </a:pPr>
-            <a:r>
-              <a:rPr lang="zh-TW" altLang="en-US" sz="5400" b="1" dirty="0">
-                <a:solidFill>
-                  <a:srgbClr val="002060"/>
-                </a:solidFill>
-                <a:latin typeface="Microsoft JhengHei" panose="020B0604030504040204" pitchFamily="34" charset="-120"/>
-                <a:ea typeface="Microsoft JhengHei" panose="020B0604030504040204" pitchFamily="34" charset="-120"/>
-              </a:rPr>
-              <a:t>捨身流血還我罪債</a:t>
-            </a:r>
-          </a:p>
-          <a:p>
-            <a:pPr marL="0" indent="0" algn="ctr">
-              <a:buNone/>
-            </a:pPr>
-            <a:r>
-              <a:rPr lang="zh-TW" altLang="en-US" sz="5400" b="1" dirty="0">
-                <a:solidFill>
-                  <a:srgbClr val="002060"/>
-                </a:solidFill>
-                <a:latin typeface="Microsoft JhengHei" panose="020B0604030504040204" pitchFamily="34" charset="-120"/>
-                <a:ea typeface="Microsoft JhengHei" panose="020B0604030504040204" pitchFamily="34" charset="-120"/>
-              </a:rPr>
-              <a:t>使我得免永遠災害</a:t>
-            </a:r>
-          </a:p>
-          <a:p>
-            <a:pPr marL="0" indent="0" algn="ctr">
-              <a:buNone/>
-            </a:pPr>
-            <a:r>
-              <a:rPr lang="zh-TW" altLang="en-US" sz="5400" b="1" dirty="0">
-                <a:solidFill>
-                  <a:srgbClr val="002060"/>
-                </a:solidFill>
-                <a:latin typeface="Microsoft JhengHei" panose="020B0604030504040204" pitchFamily="34" charset="-120"/>
-                <a:ea typeface="Microsoft JhengHei" panose="020B0604030504040204" pitchFamily="34" charset="-120"/>
-              </a:rPr>
-              <a:t>主恩愛說不盡</a:t>
-            </a:r>
-          </a:p>
-        </p:txBody>
-      </p:sp>
-      <p:sp>
-        <p:nvSpPr>
-          <p:cNvPr id="6" name="Text Box 1"/>
-          <p:cNvSpPr txBox="1"/>
-          <p:nvPr/>
         </p:nvSpPr>
         <p:spPr>
           <a:xfrm>
-            <a:off x="1343472" y="1772816"/>
-            <a:ext cx="1380490" cy="830997"/>
+            <a:off x="0" y="2660915"/>
+            <a:ext cx="12192000" cy="1143000"/>
           </a:xfrm>
-          <a:prstGeom prst="rect">
-            <a:avLst/>
-          </a:prstGeom>
-          <a:noFill/>
-          <a:ln w="9525">
-            <a:noFill/>
-            <a:miter lim="800000"/>
-          </a:ln>
         </p:spPr>
         <p:txBody>
-          <a:bodyPr wrap="square">
-            <a:spAutoFit/>
+          <a:bodyPr>
+            <a:noAutofit/>
           </a:bodyPr>
           <a:lstStyle/>
           <a:p>
-            <a:pPr algn="ctr"/>
-            <a:r>
-              <a:rPr lang="en-US" sz="4800" b="1" dirty="0">
-                <a:solidFill>
-                  <a:srgbClr val="002060"/>
-                </a:solidFill>
+            <a:r>
+              <a:rPr lang="zh-CN" altLang="en-US" sz="5333" b="1" u="sng" dirty="0">
+                <a:solidFill>
+                  <a:srgbClr val="000066"/>
+                </a:solidFill>
+                <a:effectLst>
+                  <a:outerShdw blurRad="38100" dist="38100" dir="2700000" algn="tl">
+                    <a:srgbClr val="000000">
+                      <a:alpha val="43137"/>
+                    </a:srgbClr>
+                  </a:outerShdw>
+                </a:effectLst>
+                <a:latin typeface="微軟正黑體" pitchFamily="34" charset="-120"/>
+                <a:ea typeface="微軟正黑體" pitchFamily="34" charset="-120"/>
               </a:rPr>
-              <a:t>1.</a:t>
-            </a:r>
+              <a:t>宣道詩 </a:t>
+            </a:r>
+            <a:r>
+              <a:rPr lang="en-US" altLang="zh-CN" sz="5333" b="1" u="sng" dirty="0">
+                <a:solidFill>
+                  <a:srgbClr val="000066"/>
+                </a:solidFill>
+                <a:effectLst>
+                  <a:outerShdw blurRad="38100" dist="38100" dir="2700000" algn="tl">
+                    <a:srgbClr val="000000">
+                      <a:alpha val="43137"/>
+                    </a:srgbClr>
+                  </a:outerShdw>
+                </a:effectLst>
+                <a:latin typeface="微軟正黑體" pitchFamily="34" charset="-120"/>
+                <a:ea typeface="微軟正黑體" pitchFamily="34" charset="-120"/>
+              </a:rPr>
+              <a:t>211A</a:t>
+            </a:r>
+            <a:r>
+              <a:rPr lang="en-US" altLang="zh-CN" sz="7200" b="1" i="1" dirty="0">
+                <a:solidFill>
+                  <a:srgbClr val="660033"/>
+                </a:solidFill>
+                <a:effectLst>
+                  <a:outerShdw blurRad="38100" dist="38100" dir="2700000" algn="tl">
+                    <a:srgbClr val="000000">
+                      <a:alpha val="43137"/>
+                    </a:srgbClr>
+                  </a:outerShdw>
+                </a:effectLst>
+                <a:latin typeface="微軟正黑體" pitchFamily="34" charset="-120"/>
+                <a:ea typeface="微軟正黑體" pitchFamily="34" charset="-120"/>
+              </a:rPr>
+              <a:t/>
+            </a:r>
+            <a:br>
+              <a:rPr lang="en-US" altLang="zh-CN" sz="7200" b="1" i="1" dirty="0">
+                <a:solidFill>
+                  <a:srgbClr val="660033"/>
+                </a:solidFill>
+                <a:effectLst>
+                  <a:outerShdw blurRad="38100" dist="38100" dir="2700000" algn="tl">
+                    <a:srgbClr val="000000">
+                      <a:alpha val="43137"/>
+                    </a:srgbClr>
+                  </a:outerShdw>
+                </a:effectLst>
+                <a:latin typeface="微軟正黑體" pitchFamily="34" charset="-120"/>
+                <a:ea typeface="微軟正黑體" pitchFamily="34" charset="-120"/>
+              </a:rPr>
+            </a:br>
+            <a:r>
+              <a:rPr lang="zh-CN" altLang="en-US" sz="8000" b="1" dirty="0">
+                <a:solidFill>
+                  <a:srgbClr val="660033"/>
+                </a:solidFill>
+                <a:effectLst>
+                  <a:outerShdw blurRad="38100" dist="38100" dir="2700000" algn="tl">
+                    <a:srgbClr val="000000">
+                      <a:alpha val="43137"/>
+                    </a:srgbClr>
+                  </a:outerShdw>
+                </a:effectLst>
+                <a:latin typeface="微軟正黑體" pitchFamily="34" charset="-120"/>
+                <a:ea typeface="微軟正黑體" pitchFamily="34" charset="-120"/>
+              </a:rPr>
+              <a:t>主</a:t>
+            </a:r>
+            <a:r>
+              <a:rPr lang="zh-CN" altLang="en-US" sz="8000" b="1" dirty="0">
+                <a:solidFill>
+                  <a:srgbClr val="660033"/>
+                </a:solidFill>
+                <a:effectLst>
+                  <a:outerShdw blurRad="38100" dist="38100" dir="2700000" algn="tl">
+                    <a:srgbClr val="000000">
+                      <a:alpha val="43137"/>
+                    </a:srgbClr>
+                  </a:outerShdw>
+                </a:effectLst>
+                <a:latin typeface="微軟正黑體" pitchFamily="34" charset="-120"/>
+                <a:ea typeface="微軟正黑體" pitchFamily="34" charset="-120"/>
+              </a:rPr>
+              <a:t>愛說不盡</a:t>
+            </a:r>
+            <a:endParaRPr lang="zh-TW" altLang="en-US" sz="8000" b="1" dirty="0">
+              <a:solidFill>
+                <a:srgbClr val="660033"/>
+              </a:solidFill>
+              <a:effectLst>
+                <a:outerShdw blurRad="38100" dist="38100" dir="2700000" algn="tl">
+                  <a:srgbClr val="000000">
+                    <a:alpha val="43137"/>
+                  </a:srgbClr>
+                </a:outerShdw>
+              </a:effectLst>
+              <a:latin typeface="微軟正黑體" pitchFamily="34" charset="-120"/>
+              <a:ea typeface="微軟正黑體" pitchFamily="34" charset="-120"/>
+            </a:endParaRPr>
           </a:p>
         </p:txBody>
       </p:sp>
     </p:spTree>
     <p:extLst>
       <p:ext uri="{BB962C8B-B14F-4D97-AF65-F5344CB8AC3E}">
-        <p14:creationId xmlns:p14="http://schemas.microsoft.com/office/powerpoint/2010/main" val="1026669653"/>
+        <p14:creationId xmlns:p14="http://schemas.microsoft.com/office/powerpoint/2010/main" val="2241370624"/>
       </p:ext>
     </p:extLst>
   </p:cSld>
   <p:clrMapOvr>
     <a:masterClrMapping/>
   </p:clrMapOvr>
+  <p:timing>
+    <p:tnLst>
+      <p:par>
+        <p:cTn id="1" dur="indefinite" restart="never" nodeType="tmRoot"/>
+      </p:par>
+    </p:tnLst>
+  </p:timing>
+</p:sld>
+</file>
+
+<file path=ppt/slides/slide10.xml><?xml version="1.0" encoding="utf-8"?>
+<p:sld xmlns:a="http://schemas.openxmlformats.org/drawingml/2006/main" xmlns:r="http://schemas.openxmlformats.org/officeDocument/2006/relationships" xmlns:p="http://schemas.openxmlformats.org/presentationml/2006/main">
+  <p:cSld>
+    <p:spTree>
+      <p:nvGrpSpPr>
+        <p:cNvPr id="1" name=""/>
+        <p:cNvGrpSpPr/>
+        <p:nvPr/>
+      </p:nvGrpSpPr>
+      <p:grpSpPr>
+        <a:xfrm>
+          <a:off x="0" y="0"/>
+          <a:ext cx="0" cy="0"/>
+          <a:chOff x="0" y="0"/>
+          <a:chExt cx="0" cy="0"/>
+        </a:xfrm>
+      </p:grpSpPr>
+      <p:sp>
+        <p:nvSpPr>
+          <p:cNvPr id="5" name="內容版面配置區 4"/>
+          <p:cNvSpPr>
+            <a:spLocks noGrp="1"/>
+          </p:cNvSpPr>
+          <p:nvPr>
+            <p:ph idx="1"/>
+          </p:nvPr>
+        </p:nvSpPr>
+        <p:spPr>
+          <a:xfrm>
+            <a:off x="0" y="2084853"/>
+            <a:ext cx="12192000" cy="2404863"/>
+          </a:xfrm>
+        </p:spPr>
+        <p:txBody>
+          <a:bodyPr anchor="ctr">
+            <a:normAutofit/>
+          </a:bodyPr>
+          <a:lstStyle/>
+          <a:p>
+            <a:pPr marL="0" indent="0" algn="ctr">
+              <a:buNone/>
+            </a:pPr>
+            <a:r>
+              <a:rPr lang="zh-TW" altLang="en-US" sz="6400" b="1" dirty="0">
+                <a:solidFill>
+                  <a:srgbClr val="660033"/>
+                </a:solidFill>
+                <a:latin typeface="Microsoft JhengHei" panose="020B0604030504040204" pitchFamily="34" charset="-120"/>
+                <a:ea typeface="Microsoft JhengHei" panose="020B0604030504040204" pitchFamily="34" charset="-120"/>
+              </a:rPr>
+              <a:t>我主升天作我中保</a:t>
+            </a:r>
+          </a:p>
+          <a:p>
+            <a:pPr marL="0" indent="0" algn="ctr">
+              <a:buNone/>
+            </a:pPr>
+            <a:r>
+              <a:rPr lang="zh-TW" altLang="en-US" sz="6400" b="1" dirty="0">
+                <a:solidFill>
+                  <a:srgbClr val="660033"/>
+                </a:solidFill>
+                <a:latin typeface="Microsoft JhengHei" panose="020B0604030504040204" pitchFamily="34" charset="-120"/>
+                <a:ea typeface="Microsoft JhengHei" panose="020B0604030504040204" pitchFamily="34" charset="-120"/>
+              </a:rPr>
+              <a:t>天父面前為我祈禱</a:t>
+            </a:r>
+            <a:endParaRPr lang="zh-TW" altLang="en-US" sz="6400" b="1" dirty="0">
+              <a:solidFill>
+                <a:srgbClr val="660033"/>
+              </a:solidFill>
+              <a:latin typeface="Microsoft JhengHei" panose="020B0604030504040204" pitchFamily="34" charset="-120"/>
+              <a:ea typeface="Microsoft JhengHei" panose="020B0604030504040204" pitchFamily="34" charset="-120"/>
+            </a:endParaRPr>
+          </a:p>
+        </p:txBody>
+      </p:sp>
+      <p:sp>
+        <p:nvSpPr>
+          <p:cNvPr id="3" name="TextBox 2"/>
+          <p:cNvSpPr txBox="1"/>
+          <p:nvPr/>
+        </p:nvSpPr>
+        <p:spPr>
+          <a:xfrm>
+            <a:off x="0" y="5253205"/>
+            <a:ext cx="12192000" cy="830997"/>
+          </a:xfrm>
+          <a:prstGeom prst="rect">
+            <a:avLst/>
+          </a:prstGeom>
+          <a:noFill/>
+        </p:spPr>
+        <p:txBody>
+          <a:bodyPr wrap="square" rtlCol="0">
+            <a:spAutoFit/>
+          </a:bodyPr>
+          <a:lstStyle/>
+          <a:p>
+            <a:pPr algn="ctr"/>
+            <a:r>
+              <a:rPr lang="en-US" sz="4800" b="1" dirty="0">
+                <a:solidFill>
+                  <a:srgbClr val="660033"/>
+                </a:solidFill>
+              </a:rPr>
+              <a:t>( </a:t>
+            </a:r>
+            <a:r>
+              <a:rPr lang="en-US" sz="4800" b="1" dirty="0">
+                <a:solidFill>
+                  <a:srgbClr val="660033"/>
+                </a:solidFill>
+              </a:rPr>
+              <a:t>3 </a:t>
+            </a:r>
+            <a:r>
+              <a:rPr lang="en-US" sz="4800" b="1" dirty="0">
+                <a:solidFill>
+                  <a:srgbClr val="660033"/>
+                </a:solidFill>
+              </a:rPr>
+              <a:t>)</a:t>
+            </a:r>
+            <a:endParaRPr lang="vi-VN" sz="4800" b="1" dirty="0">
+              <a:solidFill>
+                <a:srgbClr val="660033"/>
+              </a:solidFill>
+            </a:endParaRPr>
+          </a:p>
+        </p:txBody>
+      </p:sp>
+    </p:spTree>
+    <p:extLst>
+      <p:ext uri="{BB962C8B-B14F-4D97-AF65-F5344CB8AC3E}">
+        <p14:creationId xmlns:p14="http://schemas.microsoft.com/office/powerpoint/2010/main" val="1914079426"/>
+      </p:ext>
+    </p:extLst>
+  </p:cSld>
+  <p:clrMapOvr>
+    <a:masterClrMapping/>
+  </p:clrMapOvr>
+  <p:timing>
+    <p:tnLst>
+      <p:par>
+        <p:cTn id="1" dur="indefinite" restart="never" nodeType="tmRoot"/>
+      </p:par>
+    </p:tnLst>
+  </p:timing>
+</p:sld>
+</file>
+
+<file path=ppt/slides/slide11.xml><?xml version="1.0" encoding="utf-8"?>
+<p:sld xmlns:a="http://schemas.openxmlformats.org/drawingml/2006/main" xmlns:r="http://schemas.openxmlformats.org/officeDocument/2006/relationships" xmlns:p="http://schemas.openxmlformats.org/presentationml/2006/main">
+  <p:cSld>
+    <p:spTree>
+      <p:nvGrpSpPr>
+        <p:cNvPr id="1" name=""/>
+        <p:cNvGrpSpPr/>
+        <p:nvPr/>
+      </p:nvGrpSpPr>
+      <p:grpSpPr>
+        <a:xfrm>
+          <a:off x="0" y="0"/>
+          <a:ext cx="0" cy="0"/>
+          <a:chOff x="0" y="0"/>
+          <a:chExt cx="0" cy="0"/>
+        </a:xfrm>
+      </p:grpSpPr>
+      <p:sp>
+        <p:nvSpPr>
+          <p:cNvPr id="5" name="內容版面配置區 4"/>
+          <p:cNvSpPr>
+            <a:spLocks noGrp="1"/>
+          </p:cNvSpPr>
+          <p:nvPr>
+            <p:ph idx="1"/>
+          </p:nvPr>
+        </p:nvSpPr>
+        <p:spPr>
+          <a:xfrm>
+            <a:off x="0" y="2084853"/>
+            <a:ext cx="12192000" cy="2404863"/>
+          </a:xfrm>
+        </p:spPr>
+        <p:txBody>
+          <a:bodyPr anchor="ctr">
+            <a:normAutofit/>
+          </a:bodyPr>
+          <a:lstStyle/>
+          <a:p>
+            <a:pPr marL="0" indent="0" algn="ctr">
+              <a:buNone/>
+            </a:pPr>
+            <a:r>
+              <a:rPr lang="zh-TW" altLang="en-US" sz="6400" b="1" dirty="0">
+                <a:solidFill>
+                  <a:srgbClr val="660033"/>
+                </a:solidFill>
+                <a:latin typeface="Microsoft JhengHei" panose="020B0604030504040204" pitchFamily="34" charset="-120"/>
+                <a:ea typeface="Microsoft JhengHei" panose="020B0604030504040204" pitchFamily="34" charset="-120"/>
+              </a:rPr>
+              <a:t>使我罪人與神和好</a:t>
+            </a:r>
+          </a:p>
+          <a:p>
+            <a:pPr marL="0" indent="0" algn="ctr">
+              <a:buNone/>
+            </a:pPr>
+            <a:r>
+              <a:rPr lang="zh-TW" altLang="en-US" sz="6400" b="1" dirty="0">
+                <a:solidFill>
+                  <a:srgbClr val="660033"/>
+                </a:solidFill>
+                <a:latin typeface="Microsoft JhengHei" panose="020B0604030504040204" pitchFamily="34" charset="-120"/>
+                <a:ea typeface="Microsoft JhengHei" panose="020B0604030504040204" pitchFamily="34" charset="-120"/>
+              </a:rPr>
+              <a:t>主恩愛說不盡</a:t>
+            </a:r>
+            <a:endParaRPr lang="zh-TW" altLang="en-US" sz="6400" b="1" dirty="0">
+              <a:solidFill>
+                <a:srgbClr val="660033"/>
+              </a:solidFill>
+              <a:latin typeface="Microsoft JhengHei" panose="020B0604030504040204" pitchFamily="34" charset="-120"/>
+              <a:ea typeface="Microsoft JhengHei" panose="020B0604030504040204" pitchFamily="34" charset="-120"/>
+            </a:endParaRPr>
+          </a:p>
+        </p:txBody>
+      </p:sp>
+      <p:sp>
+        <p:nvSpPr>
+          <p:cNvPr id="3" name="TextBox 2"/>
+          <p:cNvSpPr txBox="1"/>
+          <p:nvPr/>
+        </p:nvSpPr>
+        <p:spPr>
+          <a:xfrm>
+            <a:off x="0" y="5253205"/>
+            <a:ext cx="12192000" cy="830997"/>
+          </a:xfrm>
+          <a:prstGeom prst="rect">
+            <a:avLst/>
+          </a:prstGeom>
+          <a:noFill/>
+        </p:spPr>
+        <p:txBody>
+          <a:bodyPr wrap="square" rtlCol="0">
+            <a:spAutoFit/>
+          </a:bodyPr>
+          <a:lstStyle/>
+          <a:p>
+            <a:pPr algn="ctr"/>
+            <a:r>
+              <a:rPr lang="en-US" sz="4800" b="1" dirty="0">
+                <a:solidFill>
+                  <a:srgbClr val="660033"/>
+                </a:solidFill>
+              </a:rPr>
+              <a:t>( </a:t>
+            </a:r>
+            <a:r>
+              <a:rPr lang="en-US" sz="4800" b="1" dirty="0">
+                <a:solidFill>
+                  <a:srgbClr val="660033"/>
+                </a:solidFill>
+              </a:rPr>
+              <a:t>3 </a:t>
+            </a:r>
+            <a:r>
+              <a:rPr lang="en-US" sz="4800" b="1" dirty="0">
+                <a:solidFill>
+                  <a:srgbClr val="660033"/>
+                </a:solidFill>
+              </a:rPr>
+              <a:t>)</a:t>
+            </a:r>
+            <a:endParaRPr lang="vi-VN" sz="4800" b="1" dirty="0">
+              <a:solidFill>
+                <a:srgbClr val="660033"/>
+              </a:solidFill>
+            </a:endParaRPr>
+          </a:p>
+        </p:txBody>
+      </p:sp>
+    </p:spTree>
+    <p:extLst>
+      <p:ext uri="{BB962C8B-B14F-4D97-AF65-F5344CB8AC3E}">
+        <p14:creationId xmlns:p14="http://schemas.microsoft.com/office/powerpoint/2010/main" val="502491259"/>
+      </p:ext>
+    </p:extLst>
+  </p:cSld>
+  <p:clrMapOvr>
+    <a:masterClrMapping/>
+  </p:clrMapOvr>
+  <p:timing>
+    <p:tnLst>
+      <p:par>
+        <p:cTn id="1" dur="indefinite" restart="never" nodeType="tmRoot"/>
+      </p:par>
+    </p:tnLst>
+  </p:timing>
+</p:sld>
+</file>
+
+<file path=ppt/slides/slide12.xml><?xml version="1.0" encoding="utf-8"?>
+<p:sld xmlns:a="http://schemas.openxmlformats.org/drawingml/2006/main" xmlns:r="http://schemas.openxmlformats.org/officeDocument/2006/relationships" xmlns:p="http://schemas.openxmlformats.org/presentationml/2006/main">
+  <p:cSld>
+    <p:spTree>
+      <p:nvGrpSpPr>
+        <p:cNvPr id="1" name=""/>
+        <p:cNvGrpSpPr/>
+        <p:nvPr/>
+      </p:nvGrpSpPr>
+      <p:grpSpPr>
+        <a:xfrm>
+          <a:off x="0" y="0"/>
+          <a:ext cx="0" cy="0"/>
+          <a:chOff x="0" y="0"/>
+          <a:chExt cx="0" cy="0"/>
+        </a:xfrm>
+      </p:grpSpPr>
+      <p:sp>
+        <p:nvSpPr>
+          <p:cNvPr id="5" name="內容版面配置區 4"/>
+          <p:cNvSpPr>
+            <a:spLocks noGrp="1"/>
+          </p:cNvSpPr>
+          <p:nvPr>
+            <p:ph idx="1"/>
+          </p:nvPr>
+        </p:nvSpPr>
+        <p:spPr>
+          <a:xfrm>
+            <a:off x="0" y="2084853"/>
+            <a:ext cx="12192000" cy="2404863"/>
+          </a:xfrm>
+        </p:spPr>
+        <p:txBody>
+          <a:bodyPr anchor="ctr">
+            <a:normAutofit/>
+          </a:bodyPr>
+          <a:lstStyle/>
+          <a:p>
+            <a:pPr marL="0" indent="0" algn="ctr">
+              <a:buNone/>
+            </a:pPr>
+            <a:r>
+              <a:rPr lang="zh-TW" altLang="en-US" sz="6400" b="1" dirty="0">
+                <a:solidFill>
+                  <a:srgbClr val="660033"/>
+                </a:solidFill>
+                <a:latin typeface="Microsoft JhengHei" panose="020B0604030504040204" pitchFamily="34" charset="-120"/>
+                <a:ea typeface="Microsoft JhengHei" panose="020B0604030504040204" pitchFamily="34" charset="-120"/>
+              </a:rPr>
+              <a:t>主愛口舌真說不盡</a:t>
+            </a:r>
+          </a:p>
+          <a:p>
+            <a:pPr marL="0" indent="0" algn="ctr">
+              <a:buNone/>
+            </a:pPr>
+            <a:r>
+              <a:rPr lang="zh-TW" altLang="en-US" sz="6400" b="1" dirty="0">
+                <a:solidFill>
+                  <a:srgbClr val="660033"/>
+                </a:solidFill>
+                <a:latin typeface="Microsoft JhengHei" panose="020B0604030504040204" pitchFamily="34" charset="-120"/>
+                <a:ea typeface="Microsoft JhengHei" panose="020B0604030504040204" pitchFamily="34" charset="-120"/>
+              </a:rPr>
+              <a:t>主愛口舌真說不盡</a:t>
+            </a:r>
+            <a:endParaRPr lang="zh-TW" altLang="en-US" sz="6400" b="1" dirty="0">
+              <a:solidFill>
+                <a:srgbClr val="660033"/>
+              </a:solidFill>
+              <a:latin typeface="Microsoft JhengHei" panose="020B0604030504040204" pitchFamily="34" charset="-120"/>
+              <a:ea typeface="Microsoft JhengHei" panose="020B0604030504040204" pitchFamily="34" charset="-120"/>
+            </a:endParaRPr>
+          </a:p>
+        </p:txBody>
+      </p:sp>
+    </p:spTree>
+    <p:extLst>
+      <p:ext uri="{BB962C8B-B14F-4D97-AF65-F5344CB8AC3E}">
+        <p14:creationId xmlns:p14="http://schemas.microsoft.com/office/powerpoint/2010/main" val="2517377797"/>
+      </p:ext>
+    </p:extLst>
+  </p:cSld>
+  <p:clrMapOvr>
+    <a:masterClrMapping/>
+  </p:clrMapOvr>
+  <p:timing>
+    <p:tnLst>
+      <p:par>
+        <p:cTn id="1" dur="indefinite" restart="never" nodeType="tmRoot"/>
+      </p:par>
+    </p:tnLst>
+  </p:timing>
+</p:sld>
+</file>
+
+<file path=ppt/slides/slide13.xml><?xml version="1.0" encoding="utf-8"?>
+<p:sld xmlns:a="http://schemas.openxmlformats.org/drawingml/2006/main" xmlns:r="http://schemas.openxmlformats.org/officeDocument/2006/relationships" xmlns:p="http://schemas.openxmlformats.org/presentationml/2006/main">
+  <p:cSld>
+    <p:spTree>
+      <p:nvGrpSpPr>
+        <p:cNvPr id="1" name=""/>
+        <p:cNvGrpSpPr/>
+        <p:nvPr/>
+      </p:nvGrpSpPr>
+      <p:grpSpPr>
+        <a:xfrm>
+          <a:off x="0" y="0"/>
+          <a:ext cx="0" cy="0"/>
+          <a:chOff x="0" y="0"/>
+          <a:chExt cx="0" cy="0"/>
+        </a:xfrm>
+      </p:grpSpPr>
+      <p:sp>
+        <p:nvSpPr>
+          <p:cNvPr id="5" name="內容版面配置區 4"/>
+          <p:cNvSpPr>
+            <a:spLocks noGrp="1"/>
+          </p:cNvSpPr>
+          <p:nvPr>
+            <p:ph idx="1"/>
+          </p:nvPr>
+        </p:nvSpPr>
+        <p:spPr>
+          <a:xfrm>
+            <a:off x="0" y="2084853"/>
+            <a:ext cx="12192000" cy="2404863"/>
+          </a:xfrm>
+        </p:spPr>
+        <p:txBody>
+          <a:bodyPr anchor="ctr">
+            <a:normAutofit/>
+          </a:bodyPr>
+          <a:lstStyle/>
+          <a:p>
+            <a:pPr marL="0" indent="0" algn="ctr">
+              <a:buNone/>
+            </a:pPr>
+            <a:r>
+              <a:rPr lang="zh-TW" altLang="en-US" sz="6400" b="1" dirty="0">
+                <a:solidFill>
+                  <a:srgbClr val="660033"/>
+                </a:solidFill>
+                <a:latin typeface="Microsoft JhengHei" panose="020B0604030504040204" pitchFamily="34" charset="-120"/>
+                <a:ea typeface="Microsoft JhengHei" panose="020B0604030504040204" pitchFamily="34" charset="-120"/>
+              </a:rPr>
+              <a:t>耶穌向我所存恩愛</a:t>
+            </a:r>
+          </a:p>
+          <a:p>
+            <a:pPr marL="0" indent="0" algn="ctr">
+              <a:buNone/>
+            </a:pPr>
+            <a:r>
+              <a:rPr lang="zh-TW" altLang="en-US" sz="6400" b="1" dirty="0">
+                <a:solidFill>
+                  <a:srgbClr val="660033"/>
+                </a:solidFill>
+                <a:latin typeface="Microsoft JhengHei" panose="020B0604030504040204" pitchFamily="34" charset="-120"/>
+                <a:ea typeface="Microsoft JhengHei" panose="020B0604030504040204" pitchFamily="34" charset="-120"/>
+              </a:rPr>
+              <a:t>口舌永說不盡</a:t>
+            </a:r>
+            <a:endParaRPr lang="zh-TW" altLang="en-US" sz="6400" b="1" dirty="0">
+              <a:solidFill>
+                <a:srgbClr val="660033"/>
+              </a:solidFill>
+              <a:latin typeface="Microsoft JhengHei" panose="020B0604030504040204" pitchFamily="34" charset="-120"/>
+              <a:ea typeface="Microsoft JhengHei" panose="020B0604030504040204" pitchFamily="34" charset="-120"/>
+            </a:endParaRPr>
+          </a:p>
+        </p:txBody>
+      </p:sp>
+    </p:spTree>
+    <p:extLst>
+      <p:ext uri="{BB962C8B-B14F-4D97-AF65-F5344CB8AC3E}">
+        <p14:creationId xmlns:p14="http://schemas.microsoft.com/office/powerpoint/2010/main" val="767611064"/>
+      </p:ext>
+    </p:extLst>
+  </p:cSld>
+  <p:clrMapOvr>
+    <a:masterClrMapping/>
+  </p:clrMapOvr>
+  <p:timing>
+    <p:tnLst>
+      <p:par>
+        <p:cTn id="1" dur="indefinite" restart="never" nodeType="tmRoot"/>
+      </p:par>
+    </p:tnLst>
+  </p:timing>
+</p:sld>
+</file>
+
+<file path=ppt/slides/slide14.xml><?xml version="1.0" encoding="utf-8"?>
+<p:sld xmlns:a="http://schemas.openxmlformats.org/drawingml/2006/main" xmlns:r="http://schemas.openxmlformats.org/officeDocument/2006/relationships" xmlns:p="http://schemas.openxmlformats.org/presentationml/2006/main">
+  <p:cSld>
+    <p:spTree>
+      <p:nvGrpSpPr>
+        <p:cNvPr id="1" name=""/>
+        <p:cNvGrpSpPr/>
+        <p:nvPr/>
+      </p:nvGrpSpPr>
+      <p:grpSpPr>
+        <a:xfrm>
+          <a:off x="0" y="0"/>
+          <a:ext cx="0" cy="0"/>
+          <a:chOff x="0" y="0"/>
+          <a:chExt cx="0" cy="0"/>
+        </a:xfrm>
+      </p:grpSpPr>
+      <p:sp>
+        <p:nvSpPr>
+          <p:cNvPr id="5" name="內容版面配置區 4"/>
+          <p:cNvSpPr>
+            <a:spLocks noGrp="1"/>
+          </p:cNvSpPr>
+          <p:nvPr>
+            <p:ph idx="1"/>
+          </p:nvPr>
+        </p:nvSpPr>
+        <p:spPr>
+          <a:xfrm>
+            <a:off x="0" y="2084853"/>
+            <a:ext cx="12192000" cy="2404863"/>
+          </a:xfrm>
+        </p:spPr>
+        <p:txBody>
+          <a:bodyPr anchor="ctr">
+            <a:normAutofit/>
+          </a:bodyPr>
+          <a:lstStyle/>
+          <a:p>
+            <a:pPr marL="0" indent="0" algn="ctr">
+              <a:buNone/>
+            </a:pPr>
+            <a:r>
+              <a:rPr lang="zh-TW" altLang="en-US" sz="6400" b="1" dirty="0">
+                <a:solidFill>
+                  <a:srgbClr val="660033"/>
+                </a:solidFill>
+                <a:latin typeface="Microsoft JhengHei" panose="020B0604030504040204" pitchFamily="34" charset="-120"/>
+                <a:ea typeface="Microsoft JhengHei" panose="020B0604030504040204" pitchFamily="34" charset="-120"/>
+              </a:rPr>
+              <a:t>我主時常與我相親</a:t>
+            </a:r>
+          </a:p>
+          <a:p>
+            <a:pPr marL="0" indent="0" algn="ctr">
+              <a:buNone/>
+            </a:pPr>
+            <a:r>
+              <a:rPr lang="zh-TW" altLang="en-US" sz="6400" b="1" dirty="0">
+                <a:solidFill>
+                  <a:srgbClr val="660033"/>
+                </a:solidFill>
+                <a:latin typeface="Microsoft JhengHei" panose="020B0604030504040204" pitchFamily="34" charset="-120"/>
+                <a:ea typeface="Microsoft JhengHei" panose="020B0604030504040204" pitchFamily="34" charset="-120"/>
+              </a:rPr>
+              <a:t>平安喜樂充滿我心</a:t>
+            </a:r>
+            <a:endParaRPr lang="zh-TW" altLang="en-US" sz="6400" b="1" dirty="0">
+              <a:solidFill>
+                <a:srgbClr val="660033"/>
+              </a:solidFill>
+              <a:latin typeface="Microsoft JhengHei" panose="020B0604030504040204" pitchFamily="34" charset="-120"/>
+              <a:ea typeface="Microsoft JhengHei" panose="020B0604030504040204" pitchFamily="34" charset="-120"/>
+            </a:endParaRPr>
+          </a:p>
+        </p:txBody>
+      </p:sp>
+      <p:sp>
+        <p:nvSpPr>
+          <p:cNvPr id="3" name="TextBox 2"/>
+          <p:cNvSpPr txBox="1"/>
+          <p:nvPr/>
+        </p:nvSpPr>
+        <p:spPr>
+          <a:xfrm>
+            <a:off x="0" y="5253205"/>
+            <a:ext cx="12192000" cy="830997"/>
+          </a:xfrm>
+          <a:prstGeom prst="rect">
+            <a:avLst/>
+          </a:prstGeom>
+          <a:noFill/>
+        </p:spPr>
+        <p:txBody>
+          <a:bodyPr wrap="square" rtlCol="0">
+            <a:spAutoFit/>
+          </a:bodyPr>
+          <a:lstStyle/>
+          <a:p>
+            <a:pPr algn="ctr"/>
+            <a:r>
+              <a:rPr lang="en-US" sz="4800" b="1" dirty="0">
+                <a:solidFill>
+                  <a:srgbClr val="660033"/>
+                </a:solidFill>
+              </a:rPr>
+              <a:t>( </a:t>
+            </a:r>
+            <a:r>
+              <a:rPr lang="en-US" sz="4800" b="1" dirty="0">
+                <a:solidFill>
+                  <a:srgbClr val="660033"/>
+                </a:solidFill>
+              </a:rPr>
+              <a:t>4 </a:t>
+            </a:r>
+            <a:r>
+              <a:rPr lang="en-US" sz="4800" b="1" dirty="0">
+                <a:solidFill>
+                  <a:srgbClr val="660033"/>
+                </a:solidFill>
+              </a:rPr>
+              <a:t>)</a:t>
+            </a:r>
+            <a:endParaRPr lang="vi-VN" sz="4800" b="1" dirty="0">
+              <a:solidFill>
+                <a:srgbClr val="660033"/>
+              </a:solidFill>
+            </a:endParaRPr>
+          </a:p>
+        </p:txBody>
+      </p:sp>
+    </p:spTree>
+    <p:extLst>
+      <p:ext uri="{BB962C8B-B14F-4D97-AF65-F5344CB8AC3E}">
+        <p14:creationId xmlns:p14="http://schemas.microsoft.com/office/powerpoint/2010/main" val="787156343"/>
+      </p:ext>
+    </p:extLst>
+  </p:cSld>
+  <p:clrMapOvr>
+    <a:masterClrMapping/>
+  </p:clrMapOvr>
+  <p:timing>
+    <p:tnLst>
+      <p:par>
+        <p:cTn id="1" dur="indefinite" restart="never" nodeType="tmRoot"/>
+      </p:par>
+    </p:tnLst>
+  </p:timing>
+</p:sld>
+</file>
+
+<file path=ppt/slides/slide15.xml><?xml version="1.0" encoding="utf-8"?>
+<p:sld xmlns:a="http://schemas.openxmlformats.org/drawingml/2006/main" xmlns:r="http://schemas.openxmlformats.org/officeDocument/2006/relationships" xmlns:p="http://schemas.openxmlformats.org/presentationml/2006/main">
+  <p:cSld>
+    <p:spTree>
+      <p:nvGrpSpPr>
+        <p:cNvPr id="1" name=""/>
+        <p:cNvGrpSpPr/>
+        <p:nvPr/>
+      </p:nvGrpSpPr>
+      <p:grpSpPr>
+        <a:xfrm>
+          <a:off x="0" y="0"/>
+          <a:ext cx="0" cy="0"/>
+          <a:chOff x="0" y="0"/>
+          <a:chExt cx="0" cy="0"/>
+        </a:xfrm>
+      </p:grpSpPr>
+      <p:sp>
+        <p:nvSpPr>
+          <p:cNvPr id="5" name="內容版面配置區 4"/>
+          <p:cNvSpPr>
+            <a:spLocks noGrp="1"/>
+          </p:cNvSpPr>
+          <p:nvPr>
+            <p:ph idx="1"/>
+          </p:nvPr>
+        </p:nvSpPr>
+        <p:spPr>
+          <a:xfrm>
+            <a:off x="0" y="2084853"/>
+            <a:ext cx="12192000" cy="2404863"/>
+          </a:xfrm>
+        </p:spPr>
+        <p:txBody>
+          <a:bodyPr anchor="ctr">
+            <a:normAutofit/>
+          </a:bodyPr>
+          <a:lstStyle/>
+          <a:p>
+            <a:pPr marL="0" indent="0" algn="ctr">
+              <a:buNone/>
+            </a:pPr>
+            <a:r>
+              <a:rPr lang="zh-TW" altLang="en-US" sz="6400" b="1" dirty="0">
+                <a:solidFill>
+                  <a:srgbClr val="660033"/>
+                </a:solidFill>
+                <a:latin typeface="Microsoft JhengHei" panose="020B0604030504040204" pitchFamily="34" charset="-120"/>
+                <a:ea typeface="Microsoft JhengHei" panose="020B0604030504040204" pitchFamily="34" charset="-120"/>
+              </a:rPr>
+              <a:t>有福指望何等光明</a:t>
+            </a:r>
+          </a:p>
+          <a:p>
+            <a:pPr marL="0" indent="0" algn="ctr">
+              <a:buNone/>
+            </a:pPr>
+            <a:r>
+              <a:rPr lang="zh-TW" altLang="en-US" sz="6400" b="1" dirty="0">
+                <a:solidFill>
+                  <a:srgbClr val="660033"/>
+                </a:solidFill>
+                <a:latin typeface="Microsoft JhengHei" panose="020B0604030504040204" pitchFamily="34" charset="-120"/>
+                <a:ea typeface="Microsoft JhengHei" panose="020B0604030504040204" pitchFamily="34" charset="-120"/>
+              </a:rPr>
+              <a:t>主恩愛說不盡</a:t>
+            </a:r>
+            <a:endParaRPr lang="zh-TW" altLang="en-US" sz="6400" b="1" dirty="0">
+              <a:solidFill>
+                <a:srgbClr val="660033"/>
+              </a:solidFill>
+              <a:latin typeface="Microsoft JhengHei" panose="020B0604030504040204" pitchFamily="34" charset="-120"/>
+              <a:ea typeface="Microsoft JhengHei" panose="020B0604030504040204" pitchFamily="34" charset="-120"/>
+            </a:endParaRPr>
+          </a:p>
+        </p:txBody>
+      </p:sp>
+      <p:sp>
+        <p:nvSpPr>
+          <p:cNvPr id="3" name="TextBox 2"/>
+          <p:cNvSpPr txBox="1"/>
+          <p:nvPr/>
+        </p:nvSpPr>
+        <p:spPr>
+          <a:xfrm>
+            <a:off x="0" y="5253205"/>
+            <a:ext cx="12192000" cy="830997"/>
+          </a:xfrm>
+          <a:prstGeom prst="rect">
+            <a:avLst/>
+          </a:prstGeom>
+          <a:noFill/>
+        </p:spPr>
+        <p:txBody>
+          <a:bodyPr wrap="square" rtlCol="0">
+            <a:spAutoFit/>
+          </a:bodyPr>
+          <a:lstStyle/>
+          <a:p>
+            <a:pPr algn="ctr"/>
+            <a:r>
+              <a:rPr lang="en-US" sz="4800" b="1" dirty="0">
+                <a:solidFill>
+                  <a:srgbClr val="660033"/>
+                </a:solidFill>
+              </a:rPr>
+              <a:t>( </a:t>
+            </a:r>
+            <a:r>
+              <a:rPr lang="en-US" sz="4800" b="1" dirty="0">
+                <a:solidFill>
+                  <a:srgbClr val="660033"/>
+                </a:solidFill>
+              </a:rPr>
+              <a:t>4 </a:t>
+            </a:r>
+            <a:r>
+              <a:rPr lang="en-US" sz="4800" b="1" dirty="0">
+                <a:solidFill>
+                  <a:srgbClr val="660033"/>
+                </a:solidFill>
+              </a:rPr>
+              <a:t>)</a:t>
+            </a:r>
+            <a:endParaRPr lang="vi-VN" sz="4800" b="1" dirty="0">
+              <a:solidFill>
+                <a:srgbClr val="660033"/>
+              </a:solidFill>
+            </a:endParaRPr>
+          </a:p>
+        </p:txBody>
+      </p:sp>
+    </p:spTree>
+    <p:extLst>
+      <p:ext uri="{BB962C8B-B14F-4D97-AF65-F5344CB8AC3E}">
+        <p14:creationId xmlns:p14="http://schemas.microsoft.com/office/powerpoint/2010/main" val="3882463391"/>
+      </p:ext>
+    </p:extLst>
+  </p:cSld>
+  <p:clrMapOvr>
+    <a:masterClrMapping/>
+  </p:clrMapOvr>
+  <p:timing>
+    <p:tnLst>
+      <p:par>
+        <p:cTn id="1" dur="indefinite" restart="never" nodeType="tmRoot"/>
+      </p:par>
+    </p:tnLst>
+  </p:timing>
+</p:sld>
+</file>
+
+<file path=ppt/slides/slide16.xml><?xml version="1.0" encoding="utf-8"?>
+<p:sld xmlns:a="http://schemas.openxmlformats.org/drawingml/2006/main" xmlns:r="http://schemas.openxmlformats.org/officeDocument/2006/relationships" xmlns:p="http://schemas.openxmlformats.org/presentationml/2006/main">
+  <p:cSld>
+    <p:spTree>
+      <p:nvGrpSpPr>
+        <p:cNvPr id="1" name=""/>
+        <p:cNvGrpSpPr/>
+        <p:nvPr/>
+      </p:nvGrpSpPr>
+      <p:grpSpPr>
+        <a:xfrm>
+          <a:off x="0" y="0"/>
+          <a:ext cx="0" cy="0"/>
+          <a:chOff x="0" y="0"/>
+          <a:chExt cx="0" cy="0"/>
+        </a:xfrm>
+      </p:grpSpPr>
+      <p:sp>
+        <p:nvSpPr>
+          <p:cNvPr id="5" name="內容版面配置區 4"/>
+          <p:cNvSpPr>
+            <a:spLocks noGrp="1"/>
+          </p:cNvSpPr>
+          <p:nvPr>
+            <p:ph idx="1"/>
+          </p:nvPr>
+        </p:nvSpPr>
+        <p:spPr>
+          <a:xfrm>
+            <a:off x="0" y="2084853"/>
+            <a:ext cx="12192000" cy="2404863"/>
+          </a:xfrm>
+        </p:spPr>
+        <p:txBody>
+          <a:bodyPr anchor="ctr">
+            <a:normAutofit/>
+          </a:bodyPr>
+          <a:lstStyle/>
+          <a:p>
+            <a:pPr marL="0" indent="0" algn="ctr">
+              <a:buNone/>
+            </a:pPr>
+            <a:r>
+              <a:rPr lang="zh-TW" altLang="en-US" sz="6400" b="1" dirty="0">
+                <a:solidFill>
+                  <a:srgbClr val="660033"/>
+                </a:solidFill>
+                <a:latin typeface="Microsoft JhengHei" panose="020B0604030504040204" pitchFamily="34" charset="-120"/>
+                <a:ea typeface="Microsoft JhengHei" panose="020B0604030504040204" pitchFamily="34" charset="-120"/>
+              </a:rPr>
+              <a:t>主愛口舌真說不盡</a:t>
+            </a:r>
+          </a:p>
+          <a:p>
+            <a:pPr marL="0" indent="0" algn="ctr">
+              <a:buNone/>
+            </a:pPr>
+            <a:r>
+              <a:rPr lang="zh-TW" altLang="en-US" sz="6400" b="1" dirty="0">
+                <a:solidFill>
+                  <a:srgbClr val="660033"/>
+                </a:solidFill>
+                <a:latin typeface="Microsoft JhengHei" panose="020B0604030504040204" pitchFamily="34" charset="-120"/>
+                <a:ea typeface="Microsoft JhengHei" panose="020B0604030504040204" pitchFamily="34" charset="-120"/>
+              </a:rPr>
+              <a:t>主愛口舌真說不盡</a:t>
+            </a:r>
+            <a:endParaRPr lang="zh-TW" altLang="en-US" sz="6400" b="1" dirty="0">
+              <a:solidFill>
+                <a:srgbClr val="660033"/>
+              </a:solidFill>
+              <a:latin typeface="Microsoft JhengHei" panose="020B0604030504040204" pitchFamily="34" charset="-120"/>
+              <a:ea typeface="Microsoft JhengHei" panose="020B0604030504040204" pitchFamily="34" charset="-120"/>
+            </a:endParaRPr>
+          </a:p>
+        </p:txBody>
+      </p:sp>
+    </p:spTree>
+    <p:extLst>
+      <p:ext uri="{BB962C8B-B14F-4D97-AF65-F5344CB8AC3E}">
+        <p14:creationId xmlns:p14="http://schemas.microsoft.com/office/powerpoint/2010/main" val="1146646794"/>
+      </p:ext>
+    </p:extLst>
+  </p:cSld>
+  <p:clrMapOvr>
+    <a:masterClrMapping/>
+  </p:clrMapOvr>
+  <p:timing>
+    <p:tnLst>
+      <p:par>
+        <p:cTn id="1" dur="indefinite" restart="never" nodeType="tmRoot"/>
+      </p:par>
+    </p:tnLst>
+  </p:timing>
+</p:sld>
+</file>
+
+<file path=ppt/slides/slide17.xml><?xml version="1.0" encoding="utf-8"?>
+<p:sld xmlns:a="http://schemas.openxmlformats.org/drawingml/2006/main" xmlns:r="http://schemas.openxmlformats.org/officeDocument/2006/relationships" xmlns:p="http://schemas.openxmlformats.org/presentationml/2006/main">
+  <p:cSld>
+    <p:spTree>
+      <p:nvGrpSpPr>
+        <p:cNvPr id="1" name=""/>
+        <p:cNvGrpSpPr/>
+        <p:nvPr/>
+      </p:nvGrpSpPr>
+      <p:grpSpPr>
+        <a:xfrm>
+          <a:off x="0" y="0"/>
+          <a:ext cx="0" cy="0"/>
+          <a:chOff x="0" y="0"/>
+          <a:chExt cx="0" cy="0"/>
+        </a:xfrm>
+      </p:grpSpPr>
+      <p:sp>
+        <p:nvSpPr>
+          <p:cNvPr id="5" name="內容版面配置區 4"/>
+          <p:cNvSpPr>
+            <a:spLocks noGrp="1"/>
+          </p:cNvSpPr>
+          <p:nvPr>
+            <p:ph idx="1"/>
+          </p:nvPr>
+        </p:nvSpPr>
+        <p:spPr>
+          <a:xfrm>
+            <a:off x="0" y="2084853"/>
+            <a:ext cx="12192000" cy="2404863"/>
+          </a:xfrm>
+        </p:spPr>
+        <p:txBody>
+          <a:bodyPr anchor="ctr">
+            <a:normAutofit/>
+          </a:bodyPr>
+          <a:lstStyle/>
+          <a:p>
+            <a:pPr marL="0" indent="0" algn="ctr">
+              <a:buNone/>
+            </a:pPr>
+            <a:r>
+              <a:rPr lang="zh-TW" altLang="en-US" sz="6400" b="1" dirty="0">
+                <a:solidFill>
+                  <a:srgbClr val="660033"/>
+                </a:solidFill>
+                <a:latin typeface="Microsoft JhengHei" panose="020B0604030504040204" pitchFamily="34" charset="-120"/>
+                <a:ea typeface="Microsoft JhengHei" panose="020B0604030504040204" pitchFamily="34" charset="-120"/>
+              </a:rPr>
+              <a:t>耶穌向我所存恩愛</a:t>
+            </a:r>
+          </a:p>
+          <a:p>
+            <a:pPr marL="0" indent="0" algn="ctr">
+              <a:buNone/>
+            </a:pPr>
+            <a:r>
+              <a:rPr lang="zh-TW" altLang="en-US" sz="6400" b="1" dirty="0">
+                <a:solidFill>
+                  <a:srgbClr val="660033"/>
+                </a:solidFill>
+                <a:latin typeface="Microsoft JhengHei" panose="020B0604030504040204" pitchFamily="34" charset="-120"/>
+                <a:ea typeface="Microsoft JhengHei" panose="020B0604030504040204" pitchFamily="34" charset="-120"/>
+              </a:rPr>
+              <a:t>口舌永說不盡</a:t>
+            </a:r>
+            <a:endParaRPr lang="zh-TW" altLang="en-US" sz="6400" b="1" dirty="0">
+              <a:solidFill>
+                <a:srgbClr val="660033"/>
+              </a:solidFill>
+              <a:latin typeface="Microsoft JhengHei" panose="020B0604030504040204" pitchFamily="34" charset="-120"/>
+              <a:ea typeface="Microsoft JhengHei" panose="020B0604030504040204" pitchFamily="34" charset="-120"/>
+            </a:endParaRPr>
+          </a:p>
+        </p:txBody>
+      </p:sp>
+    </p:spTree>
+    <p:extLst>
+      <p:ext uri="{BB962C8B-B14F-4D97-AF65-F5344CB8AC3E}">
+        <p14:creationId xmlns:p14="http://schemas.microsoft.com/office/powerpoint/2010/main" val="1094635743"/>
+      </p:ext>
+    </p:extLst>
+  </p:cSld>
+  <p:clrMapOvr>
+    <a:masterClrMapping/>
+  </p:clrMapOvr>
+  <p:timing>
+    <p:tnLst>
+      <p:par>
+        <p:cTn id="1" dur="indefinite" restart="never" nodeType="tmRoot"/>
+      </p:par>
+    </p:tnLst>
+  </p:timing>
 </p:sld>
 </file>
 
@@ -3920,142 +4906,139 @@
       </p:grpSpPr>
       <p:sp>
         <p:nvSpPr>
-          <p:cNvPr id="4" name="Title 3"/>
-          <p:cNvSpPr>
-            <a:spLocks noGrp="1"/>
-          </p:cNvSpPr>
-          <p:nvPr>
-            <p:ph type="title"/>
-          </p:nvPr>
-        </p:nvSpPr>
-        <p:spPr/>
-        <p:txBody>
-          <a:bodyPr>
+          <p:cNvPr id="5" name="內容版面配置區 4"/>
+          <p:cNvSpPr>
+            <a:spLocks noGrp="1"/>
+          </p:cNvSpPr>
+          <p:nvPr>
+            <p:ph idx="1"/>
+          </p:nvPr>
+        </p:nvSpPr>
+        <p:spPr>
+          <a:xfrm>
+            <a:off x="0" y="2084853"/>
+            <a:ext cx="12192000" cy="2404863"/>
+          </a:xfrm>
+        </p:spPr>
+        <p:txBody>
+          <a:bodyPr anchor="ctr">
             <a:normAutofit/>
           </a:bodyPr>
           <a:lstStyle/>
           <a:p>
-            <a:r>
-              <a:rPr lang="en-US" altLang="zh-CN" sz="4800" b="1" dirty="0">
-                <a:solidFill>
-                  <a:srgbClr val="002060"/>
-                </a:solidFill>
-                <a:latin typeface="Microsoft JhengHei" panose="020B0604030504040204" pitchFamily="34" charset="-120"/>
-                <a:ea typeface="Microsoft JhengHei" panose="020B0604030504040204" pitchFamily="34" charset="-120"/>
+            <a:pPr marL="0" indent="0" algn="ctr">
+              <a:buNone/>
+            </a:pPr>
+            <a:r>
+              <a:rPr lang="zh-TW" altLang="en-US" sz="6400" b="1" dirty="0">
+                <a:solidFill>
+                  <a:srgbClr val="660033"/>
+                </a:solidFill>
+                <a:latin typeface="微軟正黑體" pitchFamily="34" charset="-120"/>
+                <a:ea typeface="微軟正黑體" pitchFamily="34" charset="-120"/>
               </a:rPr>
-              <a:t>【</a:t>
-            </a:r>
-            <a:r>
-              <a:rPr lang="zh-CN" altLang="en-US" sz="4800" b="1" dirty="0">
-                <a:solidFill>
-                  <a:srgbClr val="002060"/>
-                </a:solidFill>
-                <a:latin typeface="Microsoft JhengHei" panose="020B0604030504040204" pitchFamily="34" charset="-120"/>
-                <a:ea typeface="Microsoft JhengHei" panose="020B0604030504040204" pitchFamily="34" charset="-120"/>
+              <a:t>耶</a:t>
+            </a:r>
+            <a:r>
+              <a:rPr lang="zh-TW" altLang="en-US" sz="6400" b="1" dirty="0">
+                <a:solidFill>
+                  <a:srgbClr val="660033"/>
+                </a:solidFill>
+                <a:latin typeface="微軟正黑體" pitchFamily="34" charset="-120"/>
+                <a:ea typeface="微軟正黑體" pitchFamily="34" charset="-120"/>
               </a:rPr>
-              <a:t>主愛說不盡</a:t>
-            </a:r>
-            <a:r>
-              <a:rPr lang="en-US" altLang="zh-CN" sz="4800" b="1" dirty="0">
-                <a:solidFill>
-                  <a:srgbClr val="002060"/>
-                </a:solidFill>
-                <a:latin typeface="Microsoft JhengHei" panose="020B0604030504040204" pitchFamily="34" charset="-120"/>
-                <a:ea typeface="Microsoft JhengHei" panose="020B0604030504040204" pitchFamily="34" charset="-120"/>
+              <a:t>穌向我所存恩愛</a:t>
+            </a:r>
+          </a:p>
+          <a:p>
+            <a:pPr marL="0" indent="0" algn="ctr">
+              <a:buNone/>
+            </a:pPr>
+            <a:r>
+              <a:rPr lang="zh-TW" altLang="en-US" sz="6400" b="1" dirty="0">
+                <a:solidFill>
+                  <a:srgbClr val="660033"/>
+                </a:solidFill>
+                <a:latin typeface="微軟正黑體" pitchFamily="34" charset="-120"/>
+                <a:ea typeface="微軟正黑體" pitchFamily="34" charset="-120"/>
               </a:rPr>
-              <a:t>】</a:t>
-            </a:r>
-          </a:p>
-        </p:txBody>
-      </p:sp>
-      <p:sp>
-        <p:nvSpPr>
-          <p:cNvPr id="5" name="Content Placeholder 4"/>
-          <p:cNvSpPr>
-            <a:spLocks noGrp="1"/>
-          </p:cNvSpPr>
-          <p:nvPr>
-            <p:ph idx="1"/>
-          </p:nvPr>
-        </p:nvSpPr>
-        <p:spPr/>
-        <p:txBody>
-          <a:bodyPr>
-            <a:normAutofit/>
+              <a:t>捨身流血還我罪債</a:t>
+            </a:r>
+          </a:p>
+        </p:txBody>
+      </p:sp>
+      <p:sp>
+        <p:nvSpPr>
+          <p:cNvPr id="3" name="TextBox 2"/>
+          <p:cNvSpPr txBox="1"/>
+          <p:nvPr/>
+        </p:nvSpPr>
+        <p:spPr>
+          <a:xfrm>
+            <a:off x="0" y="5253205"/>
+            <a:ext cx="12192000" cy="830997"/>
+          </a:xfrm>
+          <a:prstGeom prst="rect">
+            <a:avLst/>
+          </a:prstGeom>
+          <a:noFill/>
+        </p:spPr>
+        <p:txBody>
+          <a:bodyPr wrap="square" rtlCol="0">
+            <a:spAutoFit/>
           </a:bodyPr>
           <a:lstStyle/>
           <a:p>
-            <a:pPr marL="0" indent="0" algn="ctr">
-              <a:buNone/>
-            </a:pPr>
-            <a:r>
-              <a:rPr lang="zh-TW" altLang="en-US" sz="5400" b="1" dirty="0">
-                <a:solidFill>
-                  <a:srgbClr val="002060"/>
-                </a:solidFill>
-                <a:latin typeface="Microsoft JhengHei" panose="020B0604030504040204" pitchFamily="34" charset="-120"/>
-                <a:ea typeface="Microsoft JhengHei" panose="020B0604030504040204" pitchFamily="34" charset="-120"/>
+            <a:pPr algn="ctr"/>
+            <a:r>
+              <a:rPr lang="en-US" sz="4800" b="1" dirty="0">
+                <a:solidFill>
+                  <a:srgbClr val="660033"/>
+                </a:solidFill>
               </a:rPr>
-              <a:t>主愛口舌真說不盡</a:t>
-            </a:r>
-          </a:p>
-          <a:p>
-            <a:pPr marL="0" indent="0" algn="ctr">
-              <a:buNone/>
-            </a:pPr>
-            <a:r>
-              <a:rPr lang="zh-TW" altLang="en-US" sz="5400" b="1" dirty="0">
-                <a:solidFill>
-                  <a:srgbClr val="002060"/>
-                </a:solidFill>
-                <a:latin typeface="Microsoft JhengHei" panose="020B0604030504040204" pitchFamily="34" charset="-120"/>
-                <a:ea typeface="Microsoft JhengHei" panose="020B0604030504040204" pitchFamily="34" charset="-120"/>
+              <a:t>( </a:t>
+            </a:r>
+            <a:r>
+              <a:rPr lang="en-US" sz="4800" b="1" dirty="0">
+                <a:solidFill>
+                  <a:srgbClr val="660033"/>
+                </a:solidFill>
               </a:rPr>
-              <a:t>主愛口舌真說不盡</a:t>
-            </a:r>
-          </a:p>
-          <a:p>
-            <a:pPr marL="0" indent="0" algn="ctr">
-              <a:buNone/>
-            </a:pPr>
-            <a:r>
-              <a:rPr lang="zh-TW" altLang="en-US" sz="5400" b="1" dirty="0">
-                <a:solidFill>
-                  <a:srgbClr val="002060"/>
-                </a:solidFill>
-                <a:latin typeface="Microsoft JhengHei" panose="020B0604030504040204" pitchFamily="34" charset="-120"/>
-                <a:ea typeface="Microsoft JhengHei" panose="020B0604030504040204" pitchFamily="34" charset="-120"/>
+              <a:t>1 </a:t>
+            </a:r>
+            <a:r>
+              <a:rPr lang="en-US" sz="4800" b="1" dirty="0">
+                <a:solidFill>
+                  <a:srgbClr val="660033"/>
+                </a:solidFill>
               </a:rPr>
-              <a:t>耶穌向我所存恩愛</a:t>
-            </a:r>
-          </a:p>
-          <a:p>
-            <a:pPr marL="0" indent="0" algn="ctr">
-              <a:buNone/>
-            </a:pPr>
-            <a:r>
-              <a:rPr lang="zh-TW" altLang="en-US" sz="5400" b="1" dirty="0">
-                <a:solidFill>
-                  <a:srgbClr val="002060"/>
-                </a:solidFill>
-                <a:latin typeface="Microsoft JhengHei" panose="020B0604030504040204" pitchFamily="34" charset="-120"/>
-                <a:ea typeface="Microsoft JhengHei" panose="020B0604030504040204" pitchFamily="34" charset="-120"/>
-              </a:rPr>
-              <a:t>口舌永說不盡</a:t>
-            </a:r>
+              <a:t>)</a:t>
+            </a:r>
+            <a:endParaRPr lang="vi-VN" sz="4800" b="1" dirty="0">
+              <a:solidFill>
+                <a:srgbClr val="660033"/>
+              </a:solidFill>
+            </a:endParaRPr>
           </a:p>
         </p:txBody>
       </p:sp>
     </p:spTree>
     <p:extLst>
       <p:ext uri="{BB962C8B-B14F-4D97-AF65-F5344CB8AC3E}">
-        <p14:creationId xmlns:p14="http://schemas.microsoft.com/office/powerpoint/2010/main" val="4216548163"/>
+        <p14:creationId xmlns:p14="http://schemas.microsoft.com/office/powerpoint/2010/main" val="1042338540"/>
       </p:ext>
     </p:extLst>
   </p:cSld>
   <p:clrMapOvr>
     <a:masterClrMapping/>
   </p:clrMapOvr>
+  <p:timing>
+    <p:tnLst>
+      <p:par>
+        <p:cTn id="1" dur="indefinite" restart="never" nodeType="tmRoot"/>
+      </p:par>
+    </p:tnLst>
+  </p:timing>
 </p:sld>
 </file>
 
@@ -4078,170 +5061,114 @@
       </p:grpSpPr>
       <p:sp>
         <p:nvSpPr>
-          <p:cNvPr id="4" name="Title 3"/>
-          <p:cNvSpPr>
-            <a:spLocks noGrp="1"/>
-          </p:cNvSpPr>
-          <p:nvPr>
-            <p:ph type="title"/>
-          </p:nvPr>
-        </p:nvSpPr>
-        <p:spPr/>
-        <p:txBody>
-          <a:bodyPr>
+          <p:cNvPr id="5" name="內容版面配置區 4"/>
+          <p:cNvSpPr>
+            <a:spLocks noGrp="1"/>
+          </p:cNvSpPr>
+          <p:nvPr>
+            <p:ph idx="1"/>
+          </p:nvPr>
+        </p:nvSpPr>
+        <p:spPr>
+          <a:xfrm>
+            <a:off x="0" y="2084853"/>
+            <a:ext cx="12192000" cy="2404863"/>
+          </a:xfrm>
+        </p:spPr>
+        <p:txBody>
+          <a:bodyPr anchor="ctr">
             <a:normAutofit/>
           </a:bodyPr>
           <a:lstStyle/>
           <a:p>
-            <a:r>
-              <a:rPr lang="en-US" altLang="zh-CN" sz="4800" b="1" dirty="0">
-                <a:solidFill>
-                  <a:srgbClr val="002060"/>
+            <a:pPr marL="0" indent="0" algn="ctr">
+              <a:buNone/>
+            </a:pPr>
+            <a:r>
+              <a:rPr lang="zh-TW" altLang="en-US" sz="6400" b="1" dirty="0">
+                <a:solidFill>
+                  <a:srgbClr val="660033"/>
                 </a:solidFill>
                 <a:latin typeface="Microsoft JhengHei" panose="020B0604030504040204" pitchFamily="34" charset="-120"/>
                 <a:ea typeface="Microsoft JhengHei" panose="020B0604030504040204" pitchFamily="34" charset="-120"/>
               </a:rPr>
-              <a:t>【</a:t>
-            </a:r>
-            <a:r>
-              <a:rPr lang="zh-CN" altLang="en-US" sz="4800" b="1" dirty="0">
-                <a:solidFill>
-                  <a:srgbClr val="002060"/>
-                </a:solidFill>
-                <a:latin typeface="Microsoft JhengHei" panose="020B0604030504040204" pitchFamily="34" charset="-120"/>
-                <a:ea typeface="Microsoft JhengHei" panose="020B0604030504040204" pitchFamily="34" charset="-120"/>
-              </a:rPr>
-              <a:t>主愛說不盡</a:t>
-            </a:r>
-            <a:r>
-              <a:rPr lang="en-US" altLang="zh-CN" sz="4800" b="1" dirty="0">
-                <a:solidFill>
-                  <a:srgbClr val="002060"/>
-                </a:solidFill>
-                <a:latin typeface="Microsoft JhengHei" panose="020B0604030504040204" pitchFamily="34" charset="-120"/>
-                <a:ea typeface="Microsoft JhengHei" panose="020B0604030504040204" pitchFamily="34" charset="-120"/>
-              </a:rPr>
-              <a:t>】</a:t>
-            </a:r>
-          </a:p>
-        </p:txBody>
-      </p:sp>
-      <p:sp>
-        <p:nvSpPr>
-          <p:cNvPr id="5" name="Content Placeholder 4"/>
-          <p:cNvSpPr>
-            <a:spLocks noGrp="1"/>
-          </p:cNvSpPr>
-          <p:nvPr>
-            <p:ph idx="1"/>
-          </p:nvPr>
-        </p:nvSpPr>
-        <p:spPr/>
-        <p:txBody>
-          <a:bodyPr>
-            <a:normAutofit/>
-          </a:bodyPr>
-          <a:lstStyle/>
+              <a:t>使我得免永遠災害</a:t>
+            </a:r>
+          </a:p>
           <a:p>
             <a:pPr marL="0" indent="0" algn="ctr">
               <a:buNone/>
             </a:pPr>
             <a:r>
-              <a:rPr lang="zh-TW" altLang="en-US" sz="5400" b="1" dirty="0">
-                <a:solidFill>
-                  <a:srgbClr val="002060"/>
-                </a:solidFill>
-                <a:latin typeface="Microsoft JhengHei" panose="020B0604030504040204" pitchFamily="34" charset="-120"/>
-                <a:ea typeface="Microsoft JhengHei" panose="020B0604030504040204" pitchFamily="34" charset="-120"/>
-              </a:rPr>
-              <a:t>我主受難沫吐滿臉</a:t>
-            </a:r>
-          </a:p>
-          <a:p>
-            <a:pPr marL="0" indent="0" algn="ctr">
-              <a:buNone/>
-            </a:pPr>
-            <a:r>
-              <a:rPr lang="zh-TW" altLang="en-US" sz="5400" b="1" dirty="0">
-                <a:solidFill>
-                  <a:srgbClr val="002060"/>
-                </a:solidFill>
-                <a:latin typeface="Microsoft JhengHei" panose="020B0604030504040204" pitchFamily="34" charset="-120"/>
-                <a:ea typeface="Microsoft JhengHei" panose="020B0604030504040204" pitchFamily="34" charset="-120"/>
-              </a:rPr>
-              <a:t>被人凌辱戴荊棘冕</a:t>
-            </a:r>
-          </a:p>
-          <a:p>
-            <a:pPr marL="0" indent="0" algn="ctr">
-              <a:buNone/>
-            </a:pPr>
-            <a:r>
-              <a:rPr lang="zh-TW" altLang="en-US" sz="5400" b="1" dirty="0">
-                <a:solidFill>
-                  <a:srgbClr val="002060"/>
-                </a:solidFill>
-                <a:latin typeface="Microsoft JhengHei" panose="020B0604030504040204" pitchFamily="34" charset="-120"/>
-                <a:ea typeface="Microsoft JhengHei" panose="020B0604030504040204" pitchFamily="34" charset="-120"/>
-              </a:rPr>
-              <a:t>使我得蒙救贖恩典</a:t>
-            </a:r>
-          </a:p>
-          <a:p>
-            <a:pPr marL="0" indent="0" algn="ctr">
-              <a:buNone/>
-            </a:pPr>
-            <a:r>
-              <a:rPr lang="zh-TW" altLang="en-US" sz="5400" b="1" dirty="0">
-                <a:solidFill>
-                  <a:srgbClr val="002060"/>
+              <a:rPr lang="zh-TW" altLang="en-US" sz="6400" b="1" dirty="0">
+                <a:solidFill>
+                  <a:srgbClr val="660033"/>
                 </a:solidFill>
                 <a:latin typeface="Microsoft JhengHei" panose="020B0604030504040204" pitchFamily="34" charset="-120"/>
                 <a:ea typeface="Microsoft JhengHei" panose="020B0604030504040204" pitchFamily="34" charset="-120"/>
               </a:rPr>
               <a:t>主恩愛說不盡</a:t>
             </a:r>
-          </a:p>
-        </p:txBody>
-      </p:sp>
-      <p:sp>
-        <p:nvSpPr>
-          <p:cNvPr id="6" name="Text Box 1"/>
+            <a:endParaRPr lang="zh-TW" altLang="en-US" sz="6400" b="1" dirty="0">
+              <a:solidFill>
+                <a:srgbClr val="660033"/>
+              </a:solidFill>
+              <a:latin typeface="Microsoft JhengHei" panose="020B0604030504040204" pitchFamily="34" charset="-120"/>
+              <a:ea typeface="Microsoft JhengHei" panose="020B0604030504040204" pitchFamily="34" charset="-120"/>
+            </a:endParaRPr>
+          </a:p>
+        </p:txBody>
+      </p:sp>
+      <p:sp>
+        <p:nvSpPr>
+          <p:cNvPr id="3" name="TextBox 2"/>
           <p:cNvSpPr txBox="1"/>
           <p:nvPr/>
         </p:nvSpPr>
         <p:spPr>
           <a:xfrm>
-            <a:off x="1343472" y="1772816"/>
-            <a:ext cx="1380490" cy="830997"/>
+            <a:off x="0" y="5253205"/>
+            <a:ext cx="12192000" cy="830997"/>
           </a:xfrm>
           <a:prstGeom prst="rect">
             <a:avLst/>
           </a:prstGeom>
           <a:noFill/>
-          <a:ln w="9525">
-            <a:noFill/>
-            <a:miter lim="800000"/>
-          </a:ln>
         </p:spPr>
         <p:txBody>
-          <a:bodyPr wrap="square">
+          <a:bodyPr wrap="square" rtlCol="0">
             <a:spAutoFit/>
           </a:bodyPr>
           <a:lstStyle/>
           <a:p>
             <a:pPr algn="ctr"/>
             <a:r>
-              <a:rPr lang="en-US" sz="4800" b="1" dirty="0" smtClean="0">
-                <a:solidFill>
-                  <a:srgbClr val="002060"/>
+              <a:rPr lang="en-US" sz="4800" b="1" dirty="0">
+                <a:solidFill>
+                  <a:srgbClr val="660033"/>
                 </a:solidFill>
               </a:rPr>
-              <a:t>2.</a:t>
-            </a:r>
-            <a:endParaRPr lang="en-US" sz="4800" b="1" dirty="0">
+              <a:t>( </a:t>
+            </a:r>
+            <a:r>
+              <a:rPr lang="en-US" sz="4800" b="1" dirty="0">
+                <a:solidFill>
+                  <a:srgbClr val="660033"/>
+                </a:solidFill>
+              </a:rPr>
+              <a:t>1 </a:t>
+            </a:r>
+            <a:r>
+              <a:rPr lang="en-US" sz="4800" b="1" dirty="0">
+                <a:solidFill>
+                  <a:srgbClr val="660033"/>
+                </a:solidFill>
+              </a:rPr>
+              <a:t>)</a:t>
+            </a:r>
+            <a:endParaRPr lang="vi-VN" sz="4800" b="1" dirty="0">
               <a:solidFill>
-                <a:srgbClr val="002060"/>
+                <a:srgbClr val="660033"/>
               </a:solidFill>
             </a:endParaRPr>
           </a:p>
@@ -4250,13 +5177,20 @@
     </p:spTree>
     <p:extLst>
       <p:ext uri="{BB962C8B-B14F-4D97-AF65-F5344CB8AC3E}">
-        <p14:creationId xmlns:p14="http://schemas.microsoft.com/office/powerpoint/2010/main" val="3339330111"/>
+        <p14:creationId xmlns:p14="http://schemas.microsoft.com/office/powerpoint/2010/main" val="1279665215"/>
       </p:ext>
     </p:extLst>
   </p:cSld>
   <p:clrMapOvr>
     <a:masterClrMapping/>
   </p:clrMapOvr>
+  <p:timing>
+    <p:tnLst>
+      <p:par>
+        <p:cTn id="1" dur="indefinite" restart="never" nodeType="tmRoot"/>
+      </p:par>
+    </p:tnLst>
+  </p:timing>
 </p:sld>
 </file>
 
@@ -4279,78 +5213,33 @@
       </p:grpSpPr>
       <p:sp>
         <p:nvSpPr>
-          <p:cNvPr id="4" name="Title 3"/>
-          <p:cNvSpPr>
-            <a:spLocks noGrp="1"/>
-          </p:cNvSpPr>
-          <p:nvPr>
-            <p:ph type="title"/>
-          </p:nvPr>
-        </p:nvSpPr>
-        <p:spPr/>
-        <p:txBody>
-          <a:bodyPr>
+          <p:cNvPr id="5" name="內容版面配置區 4"/>
+          <p:cNvSpPr>
+            <a:spLocks noGrp="1"/>
+          </p:cNvSpPr>
+          <p:nvPr>
+            <p:ph idx="1"/>
+          </p:nvPr>
+        </p:nvSpPr>
+        <p:spPr>
+          <a:xfrm>
+            <a:off x="0" y="2084853"/>
+            <a:ext cx="12192000" cy="2404863"/>
+          </a:xfrm>
+        </p:spPr>
+        <p:txBody>
+          <a:bodyPr anchor="ctr">
             <a:normAutofit/>
           </a:bodyPr>
           <a:lstStyle/>
           <a:p>
-            <a:r>
-              <a:rPr lang="en-US" altLang="zh-CN" sz="4800" b="1" dirty="0">
-                <a:solidFill>
-                  <a:srgbClr val="002060"/>
-                </a:solidFill>
-                <a:latin typeface="Microsoft JhengHei" panose="020B0604030504040204" pitchFamily="34" charset="-120"/>
-                <a:ea typeface="Microsoft JhengHei" panose="020B0604030504040204" pitchFamily="34" charset="-120"/>
-              </a:rPr>
-              <a:t>【</a:t>
-            </a:r>
-            <a:r>
-              <a:rPr lang="zh-CN" altLang="en-US" sz="4800" b="1" dirty="0">
-                <a:solidFill>
-                  <a:srgbClr val="002060"/>
-                </a:solidFill>
-                <a:latin typeface="Microsoft JhengHei" panose="020B0604030504040204" pitchFamily="34" charset="-120"/>
-                <a:ea typeface="Microsoft JhengHei" panose="020B0604030504040204" pitchFamily="34" charset="-120"/>
-              </a:rPr>
-              <a:t>主愛說不盡</a:t>
-            </a:r>
-            <a:r>
-              <a:rPr lang="en-US" altLang="zh-CN" sz="4800" b="1" dirty="0">
-                <a:solidFill>
-                  <a:srgbClr val="002060"/>
-                </a:solidFill>
-                <a:latin typeface="Microsoft JhengHei" panose="020B0604030504040204" pitchFamily="34" charset="-120"/>
-                <a:ea typeface="Microsoft JhengHei" panose="020B0604030504040204" pitchFamily="34" charset="-120"/>
-              </a:rPr>
-              <a:t>】</a:t>
-            </a:r>
-          </a:p>
-        </p:txBody>
-      </p:sp>
-      <p:sp>
-        <p:nvSpPr>
-          <p:cNvPr id="5" name="Content Placeholder 4"/>
-          <p:cNvSpPr>
-            <a:spLocks noGrp="1"/>
-          </p:cNvSpPr>
-          <p:nvPr>
-            <p:ph idx="1"/>
-          </p:nvPr>
-        </p:nvSpPr>
-        <p:spPr/>
-        <p:txBody>
-          <a:bodyPr>
-            <a:normAutofit/>
-          </a:bodyPr>
-          <a:lstStyle/>
-          <a:p>
             <a:pPr marL="0" indent="0" algn="ctr">
               <a:buNone/>
             </a:pPr>
             <a:r>
-              <a:rPr lang="zh-TW" altLang="en-US" sz="5400" b="1" dirty="0">
-                <a:solidFill>
-                  <a:srgbClr val="002060"/>
+              <a:rPr lang="zh-TW" altLang="en-US" sz="6400" b="1" dirty="0">
+                <a:solidFill>
+                  <a:srgbClr val="660033"/>
                 </a:solidFill>
                 <a:latin typeface="Microsoft JhengHei" panose="020B0604030504040204" pitchFamily="34" charset="-120"/>
                 <a:ea typeface="Microsoft JhengHei" panose="020B0604030504040204" pitchFamily="34" charset="-120"/>
@@ -4363,58 +5252,42 @@
               <a:buNone/>
             </a:pPr>
             <a:r>
-              <a:rPr lang="zh-TW" altLang="en-US" sz="5400" b="1" dirty="0">
-                <a:solidFill>
-                  <a:srgbClr val="002060"/>
+              <a:rPr lang="zh-TW" altLang="en-US" sz="6400" b="1" dirty="0">
+                <a:solidFill>
+                  <a:srgbClr val="660033"/>
                 </a:solidFill>
                 <a:latin typeface="Microsoft JhengHei" panose="020B0604030504040204" pitchFamily="34" charset="-120"/>
                 <a:ea typeface="Microsoft JhengHei" panose="020B0604030504040204" pitchFamily="34" charset="-120"/>
               </a:rPr>
               <a:t>主愛口舌真說不盡</a:t>
             </a:r>
-          </a:p>
-          <a:p>
-            <a:pPr marL="0" indent="0" algn="ctr">
-              <a:buNone/>
-            </a:pPr>
-            <a:r>
-              <a:rPr lang="zh-TW" altLang="en-US" sz="5400" b="1" dirty="0">
-                <a:solidFill>
-                  <a:srgbClr val="002060"/>
-                </a:solidFill>
-                <a:latin typeface="Microsoft JhengHei" panose="020B0604030504040204" pitchFamily="34" charset="-120"/>
-                <a:ea typeface="Microsoft JhengHei" panose="020B0604030504040204" pitchFamily="34" charset="-120"/>
-              </a:rPr>
-              <a:t>耶穌向我所存恩愛</a:t>
-            </a:r>
-          </a:p>
-          <a:p>
-            <a:pPr marL="0" indent="0" algn="ctr">
-              <a:buNone/>
-            </a:pPr>
-            <a:r>
-              <a:rPr lang="zh-TW" altLang="en-US" sz="5400" b="1" dirty="0">
-                <a:solidFill>
-                  <a:srgbClr val="002060"/>
-                </a:solidFill>
-                <a:latin typeface="Microsoft JhengHei" panose="020B0604030504040204" pitchFamily="34" charset="-120"/>
-                <a:ea typeface="Microsoft JhengHei" panose="020B0604030504040204" pitchFamily="34" charset="-120"/>
-              </a:rPr>
-              <a:t>口舌永說不盡</a:t>
-            </a:r>
+            <a:endParaRPr lang="zh-TW" altLang="en-US" sz="6400" b="1" dirty="0">
+              <a:solidFill>
+                <a:srgbClr val="660033"/>
+              </a:solidFill>
+              <a:latin typeface="Microsoft JhengHei" panose="020B0604030504040204" pitchFamily="34" charset="-120"/>
+              <a:ea typeface="Microsoft JhengHei" panose="020B0604030504040204" pitchFamily="34" charset="-120"/>
+            </a:endParaRPr>
           </a:p>
         </p:txBody>
       </p:sp>
     </p:spTree>
     <p:extLst>
       <p:ext uri="{BB962C8B-B14F-4D97-AF65-F5344CB8AC3E}">
-        <p14:creationId xmlns:p14="http://schemas.microsoft.com/office/powerpoint/2010/main" val="1629705105"/>
+        <p14:creationId xmlns:p14="http://schemas.microsoft.com/office/powerpoint/2010/main" val="560732016"/>
       </p:ext>
     </p:extLst>
   </p:cSld>
   <p:clrMapOvr>
     <a:masterClrMapping/>
   </p:clrMapOvr>
+  <p:timing>
+    <p:tnLst>
+      <p:par>
+        <p:cTn id="1" dur="indefinite" restart="never" nodeType="tmRoot"/>
+      </p:par>
+    </p:tnLst>
+  </p:timing>
 </p:sld>
 </file>
 
@@ -4437,179 +5310,60 @@
       </p:grpSpPr>
       <p:sp>
         <p:nvSpPr>
-          <p:cNvPr id="4" name="Title 3"/>
-          <p:cNvSpPr>
-            <a:spLocks noGrp="1"/>
-          </p:cNvSpPr>
-          <p:nvPr>
-            <p:ph type="title"/>
-          </p:nvPr>
-        </p:nvSpPr>
-        <p:spPr/>
-        <p:txBody>
-          <a:bodyPr>
+          <p:cNvPr id="5" name="內容版面配置區 4"/>
+          <p:cNvSpPr>
+            <a:spLocks noGrp="1"/>
+          </p:cNvSpPr>
+          <p:nvPr>
+            <p:ph idx="1"/>
+          </p:nvPr>
+        </p:nvSpPr>
+        <p:spPr>
+          <a:xfrm>
+            <a:off x="0" y="2084853"/>
+            <a:ext cx="12192000" cy="2404863"/>
+          </a:xfrm>
+        </p:spPr>
+        <p:txBody>
+          <a:bodyPr anchor="ctr">
             <a:normAutofit/>
           </a:bodyPr>
           <a:lstStyle/>
           <a:p>
-            <a:r>
-              <a:rPr lang="en-US" altLang="zh-CN" sz="4800" b="1" dirty="0">
-                <a:solidFill>
-                  <a:srgbClr val="002060"/>
+            <a:pPr marL="0" indent="0" algn="ctr">
+              <a:buNone/>
+            </a:pPr>
+            <a:r>
+              <a:rPr lang="zh-TW" altLang="en-US" sz="6400" b="1" dirty="0">
+                <a:solidFill>
+                  <a:srgbClr val="660033"/>
                 </a:solidFill>
                 <a:latin typeface="Microsoft JhengHei" panose="020B0604030504040204" pitchFamily="34" charset="-120"/>
                 <a:ea typeface="Microsoft JhengHei" panose="020B0604030504040204" pitchFamily="34" charset="-120"/>
               </a:rPr>
-              <a:t>【</a:t>
-            </a:r>
-            <a:r>
-              <a:rPr lang="zh-CN" altLang="en-US" sz="4800" b="1" dirty="0">
-                <a:solidFill>
-                  <a:srgbClr val="002060"/>
+              <a:t>耶穌向我所存恩愛</a:t>
+            </a:r>
+          </a:p>
+          <a:p>
+            <a:pPr marL="0" indent="0" algn="ctr">
+              <a:buNone/>
+            </a:pPr>
+            <a:r>
+              <a:rPr lang="zh-TW" altLang="en-US" sz="6400" b="1" dirty="0">
+                <a:solidFill>
+                  <a:srgbClr val="660033"/>
                 </a:solidFill>
                 <a:latin typeface="Microsoft JhengHei" panose="020B0604030504040204" pitchFamily="34" charset="-120"/>
                 <a:ea typeface="Microsoft JhengHei" panose="020B0604030504040204" pitchFamily="34" charset="-120"/>
               </a:rPr>
-              <a:t>主愛說不盡</a:t>
-            </a:r>
-            <a:r>
-              <a:rPr lang="en-US" altLang="zh-CN" sz="4800" b="1" dirty="0">
-                <a:solidFill>
-                  <a:srgbClr val="002060"/>
-                </a:solidFill>
-                <a:latin typeface="Microsoft JhengHei" panose="020B0604030504040204" pitchFamily="34" charset="-120"/>
-                <a:ea typeface="Microsoft JhengHei" panose="020B0604030504040204" pitchFamily="34" charset="-120"/>
-              </a:rPr>
-              <a:t>】</a:t>
-            </a:r>
-          </a:p>
-        </p:txBody>
-      </p:sp>
-      <p:sp>
-        <p:nvSpPr>
-          <p:cNvPr id="5" name="Content Placeholder 4"/>
-          <p:cNvSpPr>
-            <a:spLocks noGrp="1"/>
-          </p:cNvSpPr>
-          <p:nvPr>
-            <p:ph idx="1"/>
-          </p:nvPr>
-        </p:nvSpPr>
-        <p:spPr/>
-        <p:txBody>
-          <a:bodyPr>
-            <a:normAutofit/>
-          </a:bodyPr>
-          <a:lstStyle/>
-          <a:p>
-            <a:pPr marL="0" indent="0" algn="ctr">
-              <a:buNone/>
-            </a:pPr>
-            <a:r>
-              <a:rPr lang="zh-TW" altLang="en-US" sz="5400" b="1" dirty="0">
-                <a:solidFill>
-                  <a:srgbClr val="002060"/>
-                </a:solidFill>
-                <a:latin typeface="Microsoft JhengHei" panose="020B0604030504040204" pitchFamily="34" charset="-120"/>
-                <a:ea typeface="Microsoft JhengHei" panose="020B0604030504040204" pitchFamily="34" charset="-120"/>
-              </a:rPr>
-              <a:t>我主升天作我中保</a:t>
-            </a:r>
-          </a:p>
-          <a:p>
-            <a:pPr marL="0" indent="0" algn="ctr">
-              <a:buNone/>
-            </a:pPr>
-            <a:r>
-              <a:rPr lang="zh-TW" altLang="en-US" sz="5400" b="1" dirty="0">
-                <a:solidFill>
-                  <a:srgbClr val="002060"/>
-                </a:solidFill>
-                <a:latin typeface="Microsoft JhengHei" panose="020B0604030504040204" pitchFamily="34" charset="-120"/>
-                <a:ea typeface="Microsoft JhengHei" panose="020B0604030504040204" pitchFamily="34" charset="-120"/>
-              </a:rPr>
-              <a:t>天父面前為我祈禱</a:t>
-            </a:r>
-          </a:p>
-          <a:p>
-            <a:pPr marL="0" indent="0" algn="ctr">
-              <a:buNone/>
-            </a:pPr>
-            <a:r>
-              <a:rPr lang="zh-TW" altLang="en-US" sz="5400" b="1" dirty="0">
-                <a:solidFill>
-                  <a:srgbClr val="002060"/>
-                </a:solidFill>
-                <a:latin typeface="Microsoft JhengHei" panose="020B0604030504040204" pitchFamily="34" charset="-120"/>
-                <a:ea typeface="Microsoft JhengHei" panose="020B0604030504040204" pitchFamily="34" charset="-120"/>
-              </a:rPr>
-              <a:t>使我罪人與神和好</a:t>
-            </a:r>
-          </a:p>
-          <a:p>
-            <a:pPr marL="0" indent="0" algn="ctr">
-              <a:buNone/>
-            </a:pPr>
-            <a:r>
-              <a:rPr lang="zh-TW" altLang="en-US" sz="5400" b="1" dirty="0">
-                <a:solidFill>
-                  <a:srgbClr val="002060"/>
-                </a:solidFill>
-                <a:latin typeface="Microsoft JhengHei" panose="020B0604030504040204" pitchFamily="34" charset="-120"/>
-                <a:ea typeface="Microsoft JhengHei" panose="020B0604030504040204" pitchFamily="34" charset="-120"/>
-              </a:rPr>
-              <a:t>主恩愛說不盡</a:t>
-            </a:r>
-          </a:p>
-        </p:txBody>
-      </p:sp>
-      <p:sp>
-        <p:nvSpPr>
-          <p:cNvPr id="6" name="Text Box 1"/>
-          <p:cNvSpPr txBox="1"/>
-          <p:nvPr/>
-        </p:nvSpPr>
-        <p:spPr>
-          <a:xfrm>
-            <a:off x="1343472" y="1772816"/>
-            <a:ext cx="1380490" cy="830997"/>
-          </a:xfrm>
-          <a:prstGeom prst="rect">
-            <a:avLst/>
-          </a:prstGeom>
-          <a:noFill/>
-          <a:ln w="9525">
-            <a:noFill/>
-            <a:miter lim="800000"/>
-          </a:ln>
-        </p:spPr>
-        <p:txBody>
-          <a:bodyPr wrap="square">
-            <a:spAutoFit/>
-          </a:bodyPr>
-          <a:lstStyle/>
-          <a:p>
-            <a:pPr algn="ctr"/>
-            <a:r>
-              <a:rPr lang="en-US" sz="4800" b="1" dirty="0">
-                <a:solidFill>
-                  <a:srgbClr val="002060"/>
-                </a:solidFill>
-              </a:rPr>
-              <a:t>3</a:t>
-            </a:r>
-            <a:r>
-              <a:rPr lang="en-US" sz="4800" b="1" dirty="0" smtClean="0">
-                <a:solidFill>
-                  <a:srgbClr val="002060"/>
-                </a:solidFill>
-              </a:rPr>
-              <a:t>.</a:t>
-            </a:r>
-            <a:endParaRPr lang="en-US" sz="4800" b="1" dirty="0">
+              <a:t>口舌永說不盡</a:t>
+            </a:r>
+            <a:endParaRPr lang="zh-TW" altLang="en-US" sz="6400" b="1" dirty="0">
               <a:solidFill>
-                <a:srgbClr val="002060"/>
+                <a:srgbClr val="660033"/>
               </a:solidFill>
+              <a:latin typeface="Microsoft JhengHei" panose="020B0604030504040204" pitchFamily="34" charset="-120"/>
+              <a:ea typeface="Microsoft JhengHei" panose="020B0604030504040204" pitchFamily="34" charset="-120"/>
             </a:endParaRPr>
           </a:p>
         </p:txBody>
@@ -4617,13 +5371,20 @@
     </p:spTree>
     <p:extLst>
       <p:ext uri="{BB962C8B-B14F-4D97-AF65-F5344CB8AC3E}">
-        <p14:creationId xmlns:p14="http://schemas.microsoft.com/office/powerpoint/2010/main" val="748176525"/>
+        <p14:creationId xmlns:p14="http://schemas.microsoft.com/office/powerpoint/2010/main" val="2421116850"/>
       </p:ext>
     </p:extLst>
   </p:cSld>
   <p:clrMapOvr>
     <a:masterClrMapping/>
   </p:clrMapOvr>
+  <p:timing>
+    <p:tnLst>
+      <p:par>
+        <p:cTn id="1" dur="indefinite" restart="never" nodeType="tmRoot"/>
+      </p:par>
+    </p:tnLst>
+  </p:timing>
 </p:sld>
 </file>
 
@@ -4646,142 +5407,136 @@
       </p:grpSpPr>
       <p:sp>
         <p:nvSpPr>
-          <p:cNvPr id="4" name="Title 3"/>
-          <p:cNvSpPr>
-            <a:spLocks noGrp="1"/>
-          </p:cNvSpPr>
-          <p:nvPr>
-            <p:ph type="title"/>
-          </p:nvPr>
-        </p:nvSpPr>
-        <p:spPr/>
-        <p:txBody>
-          <a:bodyPr>
+          <p:cNvPr id="5" name="內容版面配置區 4"/>
+          <p:cNvSpPr>
+            <a:spLocks noGrp="1"/>
+          </p:cNvSpPr>
+          <p:nvPr>
+            <p:ph idx="1"/>
+          </p:nvPr>
+        </p:nvSpPr>
+        <p:spPr>
+          <a:xfrm>
+            <a:off x="0" y="2084853"/>
+            <a:ext cx="12192000" cy="2404863"/>
+          </a:xfrm>
+        </p:spPr>
+        <p:txBody>
+          <a:bodyPr anchor="ctr">
             <a:normAutofit/>
           </a:bodyPr>
           <a:lstStyle/>
           <a:p>
-            <a:r>
-              <a:rPr lang="en-US" altLang="zh-CN" sz="4800" b="1" dirty="0">
-                <a:solidFill>
-                  <a:srgbClr val="002060"/>
+            <a:pPr marL="0" indent="0" algn="ctr">
+              <a:buNone/>
+            </a:pPr>
+            <a:r>
+              <a:rPr lang="zh-TW" altLang="en-US" sz="6400" b="1" dirty="0">
+                <a:solidFill>
+                  <a:srgbClr val="660033"/>
                 </a:solidFill>
                 <a:latin typeface="Microsoft JhengHei" panose="020B0604030504040204" pitchFamily="34" charset="-120"/>
                 <a:ea typeface="Microsoft JhengHei" panose="020B0604030504040204" pitchFamily="34" charset="-120"/>
               </a:rPr>
-              <a:t>【</a:t>
-            </a:r>
-            <a:r>
-              <a:rPr lang="zh-CN" altLang="en-US" sz="4800" b="1" dirty="0">
-                <a:solidFill>
-                  <a:srgbClr val="002060"/>
+              <a:t>我主受難沫吐滿臉</a:t>
+            </a:r>
+          </a:p>
+          <a:p>
+            <a:pPr marL="0" indent="0" algn="ctr">
+              <a:buNone/>
+            </a:pPr>
+            <a:r>
+              <a:rPr lang="zh-TW" altLang="en-US" sz="6400" b="1" dirty="0">
+                <a:solidFill>
+                  <a:srgbClr val="660033"/>
                 </a:solidFill>
                 <a:latin typeface="Microsoft JhengHei" panose="020B0604030504040204" pitchFamily="34" charset="-120"/>
                 <a:ea typeface="Microsoft JhengHei" panose="020B0604030504040204" pitchFamily="34" charset="-120"/>
               </a:rPr>
-              <a:t>主愛說不盡</a:t>
-            </a:r>
-            <a:r>
-              <a:rPr lang="en-US" altLang="zh-CN" sz="4800" b="1" dirty="0">
-                <a:solidFill>
-                  <a:srgbClr val="002060"/>
-                </a:solidFill>
-                <a:latin typeface="Microsoft JhengHei" panose="020B0604030504040204" pitchFamily="34" charset="-120"/>
-                <a:ea typeface="Microsoft JhengHei" panose="020B0604030504040204" pitchFamily="34" charset="-120"/>
+              <a:t>被人凌辱戴荊棘冕</a:t>
+            </a:r>
+            <a:endParaRPr lang="zh-TW" altLang="en-US" sz="6400" b="1" dirty="0">
+              <a:solidFill>
+                <a:srgbClr val="660033"/>
+              </a:solidFill>
+              <a:latin typeface="Microsoft JhengHei" panose="020B0604030504040204" pitchFamily="34" charset="-120"/>
+              <a:ea typeface="Microsoft JhengHei" panose="020B0604030504040204" pitchFamily="34" charset="-120"/>
+            </a:endParaRPr>
+          </a:p>
+        </p:txBody>
+      </p:sp>
+      <p:sp>
+        <p:nvSpPr>
+          <p:cNvPr id="3" name="TextBox 2"/>
+          <p:cNvSpPr txBox="1"/>
+          <p:nvPr/>
+        </p:nvSpPr>
+        <p:spPr>
+          <a:xfrm>
+            <a:off x="0" y="5253205"/>
+            <a:ext cx="12192000" cy="830997"/>
+          </a:xfrm>
+          <a:prstGeom prst="rect">
+            <a:avLst/>
+          </a:prstGeom>
+          <a:noFill/>
+        </p:spPr>
+        <p:txBody>
+          <a:bodyPr wrap="square" rtlCol="0">
+            <a:spAutoFit/>
+          </a:bodyPr>
+          <a:lstStyle/>
+          <a:p>
+            <a:pPr algn="ctr"/>
+            <a:r>
+              <a:rPr lang="en-US" sz="4800" b="1" dirty="0">
+                <a:solidFill>
+                  <a:srgbClr val="660033"/>
+                </a:solidFill>
               </a:rPr>
-              <a:t>】</a:t>
-            </a:r>
-          </a:p>
-        </p:txBody>
-      </p:sp>
-      <p:sp>
-        <p:nvSpPr>
-          <p:cNvPr id="5" name="Content Placeholder 4"/>
-          <p:cNvSpPr>
-            <a:spLocks noGrp="1"/>
-          </p:cNvSpPr>
-          <p:nvPr>
-            <p:ph idx="1"/>
-          </p:nvPr>
-        </p:nvSpPr>
-        <p:spPr/>
-        <p:txBody>
-          <a:bodyPr>
-            <a:normAutofit/>
-          </a:bodyPr>
-          <a:lstStyle/>
-          <a:p>
-            <a:pPr marL="0" indent="0" algn="ctr">
-              <a:buNone/>
-            </a:pPr>
-            <a:r>
-              <a:rPr lang="zh-TW" altLang="en-US" sz="5400" b="1" dirty="0">
-                <a:solidFill>
-                  <a:srgbClr val="002060"/>
-                </a:solidFill>
-                <a:latin typeface="Microsoft JhengHei" panose="020B0604030504040204" pitchFamily="34" charset="-120"/>
-                <a:ea typeface="Microsoft JhengHei" panose="020B0604030504040204" pitchFamily="34" charset="-120"/>
+              <a:t>( </a:t>
+            </a:r>
+            <a:r>
+              <a:rPr lang="en-US" sz="4800" b="1" dirty="0">
+                <a:solidFill>
+                  <a:srgbClr val="660033"/>
+                </a:solidFill>
               </a:rPr>
-              <a:t>主愛口舌真說不盡</a:t>
-            </a:r>
-          </a:p>
-          <a:p>
-            <a:pPr marL="0" indent="0" algn="ctr">
-              <a:buNone/>
-            </a:pPr>
-            <a:r>
-              <a:rPr lang="zh-TW" altLang="en-US" sz="5400" b="1" dirty="0">
-                <a:solidFill>
-                  <a:srgbClr val="002060"/>
-                </a:solidFill>
-                <a:latin typeface="Microsoft JhengHei" panose="020B0604030504040204" pitchFamily="34" charset="-120"/>
-                <a:ea typeface="Microsoft JhengHei" panose="020B0604030504040204" pitchFamily="34" charset="-120"/>
+              <a:t>2 </a:t>
+            </a:r>
+            <a:r>
+              <a:rPr lang="en-US" sz="4800" b="1" dirty="0">
+                <a:solidFill>
+                  <a:srgbClr val="660033"/>
+                </a:solidFill>
               </a:rPr>
-              <a:t>主愛口舌真說不盡</a:t>
-            </a:r>
-          </a:p>
-          <a:p>
-            <a:pPr marL="0" indent="0" algn="ctr">
-              <a:buNone/>
-            </a:pPr>
-            <a:r>
-              <a:rPr lang="zh-TW" altLang="en-US" sz="5400" b="1" dirty="0">
-                <a:solidFill>
-                  <a:srgbClr val="002060"/>
-                </a:solidFill>
-                <a:latin typeface="Microsoft JhengHei" panose="020B0604030504040204" pitchFamily="34" charset="-120"/>
-                <a:ea typeface="Microsoft JhengHei" panose="020B0604030504040204" pitchFamily="34" charset="-120"/>
-              </a:rPr>
-              <a:t>耶穌向我所存恩愛</a:t>
-            </a:r>
-          </a:p>
-          <a:p>
-            <a:pPr marL="0" indent="0" algn="ctr">
-              <a:buNone/>
-            </a:pPr>
-            <a:r>
-              <a:rPr lang="zh-TW" altLang="en-US" sz="5400" b="1" dirty="0">
-                <a:solidFill>
-                  <a:srgbClr val="002060"/>
-                </a:solidFill>
-                <a:latin typeface="Microsoft JhengHei" panose="020B0604030504040204" pitchFamily="34" charset="-120"/>
-                <a:ea typeface="Microsoft JhengHei" panose="020B0604030504040204" pitchFamily="34" charset="-120"/>
-              </a:rPr>
-              <a:t>口舌永說不盡</a:t>
-            </a:r>
+              <a:t>)</a:t>
+            </a:r>
+            <a:endParaRPr lang="vi-VN" sz="4800" b="1" dirty="0">
+              <a:solidFill>
+                <a:srgbClr val="660033"/>
+              </a:solidFill>
+            </a:endParaRPr>
           </a:p>
         </p:txBody>
       </p:sp>
     </p:spTree>
     <p:extLst>
       <p:ext uri="{BB962C8B-B14F-4D97-AF65-F5344CB8AC3E}">
-        <p14:creationId xmlns:p14="http://schemas.microsoft.com/office/powerpoint/2010/main" val="518543162"/>
+        <p14:creationId xmlns:p14="http://schemas.microsoft.com/office/powerpoint/2010/main" val="1624947684"/>
       </p:ext>
     </p:extLst>
   </p:cSld>
   <p:clrMapOvr>
     <a:masterClrMapping/>
   </p:clrMapOvr>
+  <p:timing>
+    <p:tnLst>
+      <p:par>
+        <p:cTn id="1" dur="indefinite" restart="never" nodeType="tmRoot"/>
+      </p:par>
+    </p:tnLst>
+  </p:timing>
 </p:sld>
 </file>
 
@@ -4804,170 +5559,114 @@
       </p:grpSpPr>
       <p:sp>
         <p:nvSpPr>
-          <p:cNvPr id="4" name="Title 3"/>
-          <p:cNvSpPr>
-            <a:spLocks noGrp="1"/>
-          </p:cNvSpPr>
-          <p:nvPr>
-            <p:ph type="title"/>
-          </p:nvPr>
-        </p:nvSpPr>
-        <p:spPr/>
-        <p:txBody>
-          <a:bodyPr>
+          <p:cNvPr id="5" name="內容版面配置區 4"/>
+          <p:cNvSpPr>
+            <a:spLocks noGrp="1"/>
+          </p:cNvSpPr>
+          <p:nvPr>
+            <p:ph idx="1"/>
+          </p:nvPr>
+        </p:nvSpPr>
+        <p:spPr>
+          <a:xfrm>
+            <a:off x="0" y="2084853"/>
+            <a:ext cx="12192000" cy="2404863"/>
+          </a:xfrm>
+        </p:spPr>
+        <p:txBody>
+          <a:bodyPr anchor="ctr">
             <a:normAutofit/>
           </a:bodyPr>
           <a:lstStyle/>
           <a:p>
-            <a:r>
-              <a:rPr lang="en-US" altLang="zh-CN" sz="4800" b="1" dirty="0">
-                <a:solidFill>
-                  <a:srgbClr val="002060"/>
+            <a:pPr marL="0" indent="0" algn="ctr">
+              <a:buNone/>
+            </a:pPr>
+            <a:r>
+              <a:rPr lang="zh-TW" altLang="en-US" sz="6400" b="1" dirty="0">
+                <a:solidFill>
+                  <a:srgbClr val="660033"/>
                 </a:solidFill>
                 <a:latin typeface="Microsoft JhengHei" panose="020B0604030504040204" pitchFamily="34" charset="-120"/>
                 <a:ea typeface="Microsoft JhengHei" panose="020B0604030504040204" pitchFamily="34" charset="-120"/>
               </a:rPr>
-              <a:t>【</a:t>
-            </a:r>
-            <a:r>
-              <a:rPr lang="zh-CN" altLang="en-US" sz="4800" b="1" dirty="0">
-                <a:solidFill>
-                  <a:srgbClr val="002060"/>
-                </a:solidFill>
-                <a:latin typeface="Microsoft JhengHei" panose="020B0604030504040204" pitchFamily="34" charset="-120"/>
-                <a:ea typeface="Microsoft JhengHei" panose="020B0604030504040204" pitchFamily="34" charset="-120"/>
-              </a:rPr>
-              <a:t>主愛說不盡</a:t>
-            </a:r>
-            <a:r>
-              <a:rPr lang="en-US" altLang="zh-CN" sz="4800" b="1" dirty="0">
-                <a:solidFill>
-                  <a:srgbClr val="002060"/>
-                </a:solidFill>
-                <a:latin typeface="Microsoft JhengHei" panose="020B0604030504040204" pitchFamily="34" charset="-120"/>
-                <a:ea typeface="Microsoft JhengHei" panose="020B0604030504040204" pitchFamily="34" charset="-120"/>
-              </a:rPr>
-              <a:t>】</a:t>
-            </a:r>
-          </a:p>
-        </p:txBody>
-      </p:sp>
-      <p:sp>
-        <p:nvSpPr>
-          <p:cNvPr id="5" name="Content Placeholder 4"/>
-          <p:cNvSpPr>
-            <a:spLocks noGrp="1"/>
-          </p:cNvSpPr>
-          <p:nvPr>
-            <p:ph idx="1"/>
-          </p:nvPr>
-        </p:nvSpPr>
-        <p:spPr/>
-        <p:txBody>
-          <a:bodyPr>
-            <a:normAutofit/>
-          </a:bodyPr>
-          <a:lstStyle/>
+              <a:t>使我得蒙救贖恩典</a:t>
+            </a:r>
+          </a:p>
           <a:p>
             <a:pPr marL="0" indent="0" algn="ctr">
               <a:buNone/>
             </a:pPr>
             <a:r>
-              <a:rPr lang="zh-TW" altLang="en-US" sz="5400" b="1" dirty="0">
-                <a:solidFill>
-                  <a:srgbClr val="002060"/>
-                </a:solidFill>
-                <a:latin typeface="Microsoft JhengHei" panose="020B0604030504040204" pitchFamily="34" charset="-120"/>
-                <a:ea typeface="Microsoft JhengHei" panose="020B0604030504040204" pitchFamily="34" charset="-120"/>
-              </a:rPr>
-              <a:t>我主時常與我相親</a:t>
-            </a:r>
-          </a:p>
-          <a:p>
-            <a:pPr marL="0" indent="0" algn="ctr">
-              <a:buNone/>
-            </a:pPr>
-            <a:r>
-              <a:rPr lang="zh-TW" altLang="en-US" sz="5400" b="1" dirty="0">
-                <a:solidFill>
-                  <a:srgbClr val="002060"/>
-                </a:solidFill>
-                <a:latin typeface="Microsoft JhengHei" panose="020B0604030504040204" pitchFamily="34" charset="-120"/>
-                <a:ea typeface="Microsoft JhengHei" panose="020B0604030504040204" pitchFamily="34" charset="-120"/>
-              </a:rPr>
-              <a:t>平安喜樂充滿我心</a:t>
-            </a:r>
-          </a:p>
-          <a:p>
-            <a:pPr marL="0" indent="0" algn="ctr">
-              <a:buNone/>
-            </a:pPr>
-            <a:r>
-              <a:rPr lang="zh-TW" altLang="en-US" sz="5400" b="1" dirty="0">
-                <a:solidFill>
-                  <a:srgbClr val="002060"/>
-                </a:solidFill>
-                <a:latin typeface="Microsoft JhengHei" panose="020B0604030504040204" pitchFamily="34" charset="-120"/>
-                <a:ea typeface="Microsoft JhengHei" panose="020B0604030504040204" pitchFamily="34" charset="-120"/>
-              </a:rPr>
-              <a:t>有福指望何等光明</a:t>
-            </a:r>
-          </a:p>
-          <a:p>
-            <a:pPr marL="0" indent="0" algn="ctr">
-              <a:buNone/>
-            </a:pPr>
-            <a:r>
-              <a:rPr lang="zh-TW" altLang="en-US" sz="5400" b="1" dirty="0">
-                <a:solidFill>
-                  <a:srgbClr val="002060"/>
+              <a:rPr lang="zh-TW" altLang="en-US" sz="6400" b="1" dirty="0">
+                <a:solidFill>
+                  <a:srgbClr val="660033"/>
                 </a:solidFill>
                 <a:latin typeface="Microsoft JhengHei" panose="020B0604030504040204" pitchFamily="34" charset="-120"/>
                 <a:ea typeface="Microsoft JhengHei" panose="020B0604030504040204" pitchFamily="34" charset="-120"/>
               </a:rPr>
               <a:t>主恩愛說不盡</a:t>
             </a:r>
-          </a:p>
-        </p:txBody>
-      </p:sp>
-      <p:sp>
-        <p:nvSpPr>
-          <p:cNvPr id="6" name="Text Box 1"/>
+            <a:endParaRPr lang="zh-TW" altLang="en-US" sz="6400" b="1" dirty="0">
+              <a:solidFill>
+                <a:srgbClr val="660033"/>
+              </a:solidFill>
+              <a:latin typeface="Microsoft JhengHei" panose="020B0604030504040204" pitchFamily="34" charset="-120"/>
+              <a:ea typeface="Microsoft JhengHei" panose="020B0604030504040204" pitchFamily="34" charset="-120"/>
+            </a:endParaRPr>
+          </a:p>
+        </p:txBody>
+      </p:sp>
+      <p:sp>
+        <p:nvSpPr>
+          <p:cNvPr id="3" name="TextBox 2"/>
           <p:cNvSpPr txBox="1"/>
           <p:nvPr/>
         </p:nvSpPr>
         <p:spPr>
           <a:xfrm>
-            <a:off x="1343472" y="1772816"/>
-            <a:ext cx="1380490" cy="830997"/>
+            <a:off x="0" y="5253205"/>
+            <a:ext cx="12192000" cy="830997"/>
           </a:xfrm>
           <a:prstGeom prst="rect">
             <a:avLst/>
           </a:prstGeom>
           <a:noFill/>
-          <a:ln w="9525">
-            <a:noFill/>
-            <a:miter lim="800000"/>
-          </a:ln>
         </p:spPr>
         <p:txBody>
-          <a:bodyPr wrap="square">
+          <a:bodyPr wrap="square" rtlCol="0">
             <a:spAutoFit/>
           </a:bodyPr>
           <a:lstStyle/>
           <a:p>
             <a:pPr algn="ctr"/>
             <a:r>
-              <a:rPr lang="en-US" sz="4800" b="1" dirty="0" smtClean="0">
-                <a:solidFill>
-                  <a:srgbClr val="002060"/>
+              <a:rPr lang="en-US" sz="4800" b="1" dirty="0">
+                <a:solidFill>
+                  <a:srgbClr val="660033"/>
                 </a:solidFill>
               </a:rPr>
-              <a:t>4.</a:t>
-            </a:r>
-            <a:endParaRPr lang="en-US" sz="4800" b="1" dirty="0">
+              <a:t>( </a:t>
+            </a:r>
+            <a:r>
+              <a:rPr lang="en-US" sz="4800" b="1" dirty="0">
+                <a:solidFill>
+                  <a:srgbClr val="660033"/>
+                </a:solidFill>
+              </a:rPr>
+              <a:t>2 </a:t>
+            </a:r>
+            <a:r>
+              <a:rPr lang="en-US" sz="4800" b="1" dirty="0">
+                <a:solidFill>
+                  <a:srgbClr val="660033"/>
+                </a:solidFill>
+              </a:rPr>
+              <a:t>)</a:t>
+            </a:r>
+            <a:endParaRPr lang="vi-VN" sz="4800" b="1" dirty="0">
               <a:solidFill>
-                <a:srgbClr val="002060"/>
+                <a:srgbClr val="660033"/>
               </a:solidFill>
             </a:endParaRPr>
           </a:p>
@@ -4976,13 +5675,20 @@
     </p:spTree>
     <p:extLst>
       <p:ext uri="{BB962C8B-B14F-4D97-AF65-F5344CB8AC3E}">
-        <p14:creationId xmlns:p14="http://schemas.microsoft.com/office/powerpoint/2010/main" val="1198934872"/>
+        <p14:creationId xmlns:p14="http://schemas.microsoft.com/office/powerpoint/2010/main" val="1878621232"/>
       </p:ext>
     </p:extLst>
   </p:cSld>
   <p:clrMapOvr>
     <a:masterClrMapping/>
   </p:clrMapOvr>
+  <p:timing>
+    <p:tnLst>
+      <p:par>
+        <p:cTn id="1" dur="indefinite" restart="never" nodeType="tmRoot"/>
+      </p:par>
+    </p:tnLst>
+  </p:timing>
 </p:sld>
 </file>
 
@@ -5005,78 +5711,33 @@
       </p:grpSpPr>
       <p:sp>
         <p:nvSpPr>
-          <p:cNvPr id="4" name="Title 3"/>
-          <p:cNvSpPr>
-            <a:spLocks noGrp="1"/>
-          </p:cNvSpPr>
-          <p:nvPr>
-            <p:ph type="title"/>
-          </p:nvPr>
-        </p:nvSpPr>
-        <p:spPr/>
-        <p:txBody>
-          <a:bodyPr>
+          <p:cNvPr id="5" name="內容版面配置區 4"/>
+          <p:cNvSpPr>
+            <a:spLocks noGrp="1"/>
+          </p:cNvSpPr>
+          <p:nvPr>
+            <p:ph idx="1"/>
+          </p:nvPr>
+        </p:nvSpPr>
+        <p:spPr>
+          <a:xfrm>
+            <a:off x="0" y="2084853"/>
+            <a:ext cx="12192000" cy="2404863"/>
+          </a:xfrm>
+        </p:spPr>
+        <p:txBody>
+          <a:bodyPr anchor="ctr">
             <a:normAutofit/>
           </a:bodyPr>
           <a:lstStyle/>
           <a:p>
-            <a:r>
-              <a:rPr lang="en-US" altLang="zh-CN" sz="4800" b="1" dirty="0">
-                <a:solidFill>
-                  <a:srgbClr val="002060"/>
-                </a:solidFill>
-                <a:latin typeface="Microsoft JhengHei" panose="020B0604030504040204" pitchFamily="34" charset="-120"/>
-                <a:ea typeface="Microsoft JhengHei" panose="020B0604030504040204" pitchFamily="34" charset="-120"/>
-              </a:rPr>
-              <a:t>【</a:t>
-            </a:r>
-            <a:r>
-              <a:rPr lang="zh-CN" altLang="en-US" sz="4800" b="1" dirty="0">
-                <a:solidFill>
-                  <a:srgbClr val="002060"/>
-                </a:solidFill>
-                <a:latin typeface="Microsoft JhengHei" panose="020B0604030504040204" pitchFamily="34" charset="-120"/>
-                <a:ea typeface="Microsoft JhengHei" panose="020B0604030504040204" pitchFamily="34" charset="-120"/>
-              </a:rPr>
-              <a:t>主愛說不盡</a:t>
-            </a:r>
-            <a:r>
-              <a:rPr lang="en-US" altLang="zh-CN" sz="4800" b="1" dirty="0">
-                <a:solidFill>
-                  <a:srgbClr val="002060"/>
-                </a:solidFill>
-                <a:latin typeface="Microsoft JhengHei" panose="020B0604030504040204" pitchFamily="34" charset="-120"/>
-                <a:ea typeface="Microsoft JhengHei" panose="020B0604030504040204" pitchFamily="34" charset="-120"/>
-              </a:rPr>
-              <a:t>】</a:t>
-            </a:r>
-          </a:p>
-        </p:txBody>
-      </p:sp>
-      <p:sp>
-        <p:nvSpPr>
-          <p:cNvPr id="5" name="Content Placeholder 4"/>
-          <p:cNvSpPr>
-            <a:spLocks noGrp="1"/>
-          </p:cNvSpPr>
-          <p:nvPr>
-            <p:ph idx="1"/>
-          </p:nvPr>
-        </p:nvSpPr>
-        <p:spPr/>
-        <p:txBody>
-          <a:bodyPr>
-            <a:normAutofit/>
-          </a:bodyPr>
-          <a:lstStyle/>
-          <a:p>
             <a:pPr marL="0" indent="0" algn="ctr">
               <a:buNone/>
             </a:pPr>
             <a:r>
-              <a:rPr lang="zh-TW" altLang="en-US" sz="5400" b="1" dirty="0">
-                <a:solidFill>
-                  <a:srgbClr val="002060"/>
+              <a:rPr lang="zh-TW" altLang="en-US" sz="6400" b="1" dirty="0">
+                <a:solidFill>
+                  <a:srgbClr val="660033"/>
                 </a:solidFill>
                 <a:latin typeface="Microsoft JhengHei" panose="020B0604030504040204" pitchFamily="34" charset="-120"/>
                 <a:ea typeface="Microsoft JhengHei" panose="020B0604030504040204" pitchFamily="34" charset="-120"/>
@@ -5089,58 +5750,139 @@
               <a:buNone/>
             </a:pPr>
             <a:r>
-              <a:rPr lang="zh-TW" altLang="en-US" sz="5400" b="1" dirty="0">
-                <a:solidFill>
-                  <a:srgbClr val="002060"/>
+              <a:rPr lang="zh-TW" altLang="en-US" sz="6400" b="1" dirty="0">
+                <a:solidFill>
+                  <a:srgbClr val="660033"/>
                 </a:solidFill>
                 <a:latin typeface="Microsoft JhengHei" panose="020B0604030504040204" pitchFamily="34" charset="-120"/>
                 <a:ea typeface="Microsoft JhengHei" panose="020B0604030504040204" pitchFamily="34" charset="-120"/>
               </a:rPr>
               <a:t>主愛口舌真說不盡</a:t>
             </a:r>
-          </a:p>
-          <a:p>
-            <a:pPr marL="0" indent="0" algn="ctr">
-              <a:buNone/>
-            </a:pPr>
-            <a:r>
-              <a:rPr lang="zh-TW" altLang="en-US" sz="5400" b="1" dirty="0">
-                <a:solidFill>
-                  <a:srgbClr val="002060"/>
-                </a:solidFill>
-                <a:latin typeface="Microsoft JhengHei" panose="020B0604030504040204" pitchFamily="34" charset="-120"/>
-                <a:ea typeface="Microsoft JhengHei" panose="020B0604030504040204" pitchFamily="34" charset="-120"/>
-              </a:rPr>
-              <a:t>耶穌向我所存恩愛</a:t>
-            </a:r>
-          </a:p>
-          <a:p>
-            <a:pPr marL="0" indent="0" algn="ctr">
-              <a:buNone/>
-            </a:pPr>
-            <a:r>
-              <a:rPr lang="zh-TW" altLang="en-US" sz="5400" b="1" dirty="0">
-                <a:solidFill>
-                  <a:srgbClr val="002060"/>
-                </a:solidFill>
-                <a:latin typeface="Microsoft JhengHei" panose="020B0604030504040204" pitchFamily="34" charset="-120"/>
-                <a:ea typeface="Microsoft JhengHei" panose="020B0604030504040204" pitchFamily="34" charset="-120"/>
-              </a:rPr>
-              <a:t>口舌永說不盡</a:t>
-            </a:r>
+            <a:endParaRPr lang="zh-TW" altLang="en-US" sz="6400" b="1" dirty="0">
+              <a:solidFill>
+                <a:srgbClr val="660033"/>
+              </a:solidFill>
+              <a:latin typeface="Microsoft JhengHei" panose="020B0604030504040204" pitchFamily="34" charset="-120"/>
+              <a:ea typeface="Microsoft JhengHei" panose="020B0604030504040204" pitchFamily="34" charset="-120"/>
+            </a:endParaRPr>
           </a:p>
         </p:txBody>
       </p:sp>
     </p:spTree>
     <p:extLst>
       <p:ext uri="{BB962C8B-B14F-4D97-AF65-F5344CB8AC3E}">
-        <p14:creationId xmlns:p14="http://schemas.microsoft.com/office/powerpoint/2010/main" val="309422239"/>
+        <p14:creationId xmlns:p14="http://schemas.microsoft.com/office/powerpoint/2010/main" val="2682454066"/>
       </p:ext>
     </p:extLst>
   </p:cSld>
   <p:clrMapOvr>
     <a:masterClrMapping/>
   </p:clrMapOvr>
+  <p:timing>
+    <p:tnLst>
+      <p:par>
+        <p:cTn id="1" dur="indefinite" restart="never" nodeType="tmRoot"/>
+      </p:par>
+    </p:tnLst>
+  </p:timing>
+</p:sld>
+</file>
+
+<file path=ppt/slides/slide9.xml><?xml version="1.0" encoding="utf-8"?>
+<p:sld xmlns:a="http://schemas.openxmlformats.org/drawingml/2006/main" xmlns:r="http://schemas.openxmlformats.org/officeDocument/2006/relationships" xmlns:p="http://schemas.openxmlformats.org/presentationml/2006/main">
+  <p:cSld>
+    <p:spTree>
+      <p:nvGrpSpPr>
+        <p:cNvPr id="1" name=""/>
+        <p:cNvGrpSpPr/>
+        <p:nvPr/>
+      </p:nvGrpSpPr>
+      <p:grpSpPr>
+        <a:xfrm>
+          <a:off x="0" y="0"/>
+          <a:ext cx="0" cy="0"/>
+          <a:chOff x="0" y="0"/>
+          <a:chExt cx="0" cy="0"/>
+        </a:xfrm>
+      </p:grpSpPr>
+      <p:sp>
+        <p:nvSpPr>
+          <p:cNvPr id="5" name="內容版面配置區 4"/>
+          <p:cNvSpPr>
+            <a:spLocks noGrp="1"/>
+          </p:cNvSpPr>
+          <p:nvPr>
+            <p:ph idx="1"/>
+          </p:nvPr>
+        </p:nvSpPr>
+        <p:spPr>
+          <a:xfrm>
+            <a:off x="0" y="2084853"/>
+            <a:ext cx="12192000" cy="2404863"/>
+          </a:xfrm>
+        </p:spPr>
+        <p:txBody>
+          <a:bodyPr anchor="ctr">
+            <a:normAutofit/>
+          </a:bodyPr>
+          <a:lstStyle/>
+          <a:p>
+            <a:pPr marL="0" indent="0" algn="ctr">
+              <a:buNone/>
+            </a:pPr>
+            <a:r>
+              <a:rPr lang="zh-TW" altLang="en-US" sz="6400" b="1" dirty="0">
+                <a:solidFill>
+                  <a:srgbClr val="660033"/>
+                </a:solidFill>
+                <a:latin typeface="Microsoft JhengHei" panose="020B0604030504040204" pitchFamily="34" charset="-120"/>
+                <a:ea typeface="Microsoft JhengHei" panose="020B0604030504040204" pitchFamily="34" charset="-120"/>
+              </a:rPr>
+              <a:t>耶穌向我所存恩愛</a:t>
+            </a:r>
+          </a:p>
+          <a:p>
+            <a:pPr marL="0" indent="0" algn="ctr">
+              <a:buNone/>
+            </a:pPr>
+            <a:r>
+              <a:rPr lang="zh-TW" altLang="en-US" sz="6400" b="1" dirty="0">
+                <a:solidFill>
+                  <a:srgbClr val="660033"/>
+                </a:solidFill>
+                <a:latin typeface="Microsoft JhengHei" panose="020B0604030504040204" pitchFamily="34" charset="-120"/>
+                <a:ea typeface="Microsoft JhengHei" panose="020B0604030504040204" pitchFamily="34" charset="-120"/>
+              </a:rPr>
+              <a:t>口舌永說不盡</a:t>
+            </a:r>
+            <a:endParaRPr lang="zh-TW" altLang="en-US" sz="6400" b="1" dirty="0">
+              <a:solidFill>
+                <a:srgbClr val="660033"/>
+              </a:solidFill>
+              <a:latin typeface="Microsoft JhengHei" panose="020B0604030504040204" pitchFamily="34" charset="-120"/>
+              <a:ea typeface="Microsoft JhengHei" panose="020B0604030504040204" pitchFamily="34" charset="-120"/>
+            </a:endParaRPr>
+          </a:p>
+        </p:txBody>
+      </p:sp>
+    </p:spTree>
+    <p:extLst>
+      <p:ext uri="{BB962C8B-B14F-4D97-AF65-F5344CB8AC3E}">
+        <p14:creationId xmlns:p14="http://schemas.microsoft.com/office/powerpoint/2010/main" val="3271752842"/>
+      </p:ext>
+    </p:extLst>
+  </p:cSld>
+  <p:clrMapOvr>
+    <a:masterClrMapping/>
+  </p:clrMapOvr>
+  <p:timing>
+    <p:tnLst>
+      <p:par>
+        <p:cTn id="1" dur="indefinite" restart="never" nodeType="tmRoot"/>
+      </p:par>
+    </p:tnLst>
+  </p:timing>
 </p:sld>
 </file>
 

--- a/宣道詩/(宣道詩211A)主愛說不盡.pptx
+++ b/宣道詩/(宣道詩211A)主愛說不盡.pptx
@@ -3835,24 +3835,7 @@
                 <a:latin typeface="微軟正黑體" pitchFamily="34" charset="-120"/>
                 <a:ea typeface="微軟正黑體" pitchFamily="34" charset="-120"/>
               </a:rPr>
-              <a:t>主</a:t>
-            </a:r>
-            <a:r>
-              <a:rPr lang="zh-CN" altLang="en-US" sz="8000" b="1" dirty="0">
-                <a:solidFill>
-                  <a:srgbClr val="660033"/>
-                </a:solidFill>
-                <a:effectLst>
-                  <a:outerShdw blurRad="38100" dist="38100" dir="2700000" algn="tl">
-                    <a:srgbClr val="000000">
-                      <a:alpha val="43137"/>
-                    </a:srgbClr>
-                  </a:outerShdw>
-                </a:effectLst>
-                <a:latin typeface="微軟正黑體" pitchFamily="34" charset="-120"/>
-                <a:ea typeface="微軟正黑體" pitchFamily="34" charset="-120"/>
-              </a:rPr>
-              <a:t>愛說不盡</a:t>
+              <a:t>主愛說不盡</a:t>
             </a:r>
             <a:endParaRPr lang="zh-TW" altLang="en-US" sz="8000" b="1" dirty="0">
               <a:solidFill>
@@ -3958,13 +3941,6 @@
               </a:rPr>
               <a:t>天父面前為我祈禱</a:t>
             </a:r>
-            <a:endParaRPr lang="zh-TW" altLang="en-US" sz="6400" b="1" dirty="0">
-              <a:solidFill>
-                <a:srgbClr val="660033"/>
-              </a:solidFill>
-              <a:latin typeface="Microsoft JhengHei" panose="020B0604030504040204" pitchFamily="34" charset="-120"/>
-              <a:ea typeface="Microsoft JhengHei" panose="020B0604030504040204" pitchFamily="34" charset="-120"/>
-            </a:endParaRPr>
           </a:p>
         </p:txBody>
       </p:sp>
@@ -4000,7 +3976,7 @@
               <a:t>( </a:t>
             </a:r>
             <a:r>
-              <a:rPr lang="en-US" sz="4800" b="1" dirty="0">
+              <a:rPr lang="en-US" sz="4800" b="1" dirty="0" smtClean="0">
                 <a:solidFill>
                   <a:srgbClr val="660033"/>
                 </a:solidFill>
@@ -4013,7 +3989,7 @@
                   <a:srgbClr val="660033"/>
                 </a:solidFill>
               </a:rPr>
-              <a:t>)</a:t>
+              <a:t>– 4 )</a:t>
             </a:r>
             <a:endParaRPr lang="vi-VN" sz="4800" b="1" dirty="0">
               <a:solidFill>
@@ -4110,13 +4086,6 @@
               </a:rPr>
               <a:t>主恩愛說不盡</a:t>
             </a:r>
-            <a:endParaRPr lang="zh-TW" altLang="en-US" sz="6400" b="1" dirty="0">
-              <a:solidFill>
-                <a:srgbClr val="660033"/>
-              </a:solidFill>
-              <a:latin typeface="Microsoft JhengHei" panose="020B0604030504040204" pitchFamily="34" charset="-120"/>
-              <a:ea typeface="Microsoft JhengHei" panose="020B0604030504040204" pitchFamily="34" charset="-120"/>
-            </a:endParaRPr>
           </a:p>
         </p:txBody>
       </p:sp>
@@ -4149,23 +4118,7 @@
                   <a:srgbClr val="660033"/>
                 </a:solidFill>
               </a:rPr>
-              <a:t>( </a:t>
-            </a:r>
-            <a:r>
-              <a:rPr lang="en-US" sz="4800" b="1" dirty="0">
-                <a:solidFill>
-                  <a:srgbClr val="660033"/>
-                </a:solidFill>
-              </a:rPr>
-              <a:t>3 </a:t>
-            </a:r>
-            <a:r>
-              <a:rPr lang="en-US" sz="4800" b="1" dirty="0">
-                <a:solidFill>
-                  <a:srgbClr val="660033"/>
-                </a:solidFill>
-              </a:rPr>
-              <a:t>)</a:t>
+              <a:t>( 3 – 4 )</a:t>
             </a:r>
             <a:endParaRPr lang="vi-VN" sz="4800" b="1" dirty="0">
               <a:solidFill>
@@ -4262,13 +4215,6 @@
               </a:rPr>
               <a:t>主愛口舌真說不盡</a:t>
             </a:r>
-            <a:endParaRPr lang="zh-TW" altLang="en-US" sz="6400" b="1" dirty="0">
-              <a:solidFill>
-                <a:srgbClr val="660033"/>
-              </a:solidFill>
-              <a:latin typeface="Microsoft JhengHei" panose="020B0604030504040204" pitchFamily="34" charset="-120"/>
-              <a:ea typeface="Microsoft JhengHei" panose="020B0604030504040204" pitchFamily="34" charset="-120"/>
-            </a:endParaRPr>
           </a:p>
         </p:txBody>
       </p:sp>
@@ -4359,13 +4305,6 @@
               </a:rPr>
               <a:t>口舌永說不盡</a:t>
             </a:r>
-            <a:endParaRPr lang="zh-TW" altLang="en-US" sz="6400" b="1" dirty="0">
-              <a:solidFill>
-                <a:srgbClr val="660033"/>
-              </a:solidFill>
-              <a:latin typeface="Microsoft JhengHei" panose="020B0604030504040204" pitchFamily="34" charset="-120"/>
-              <a:ea typeface="Microsoft JhengHei" panose="020B0604030504040204" pitchFamily="34" charset="-120"/>
-            </a:endParaRPr>
           </a:p>
         </p:txBody>
       </p:sp>
@@ -4456,13 +4395,6 @@
               </a:rPr>
               <a:t>平安喜樂充滿我心</a:t>
             </a:r>
-            <a:endParaRPr lang="zh-TW" altLang="en-US" sz="6400" b="1" dirty="0">
-              <a:solidFill>
-                <a:srgbClr val="660033"/>
-              </a:solidFill>
-              <a:latin typeface="Microsoft JhengHei" panose="020B0604030504040204" pitchFamily="34" charset="-120"/>
-              <a:ea typeface="Microsoft JhengHei" panose="020B0604030504040204" pitchFamily="34" charset="-120"/>
-            </a:endParaRPr>
           </a:p>
         </p:txBody>
       </p:sp>
@@ -4498,7 +4430,7 @@
               <a:t>( </a:t>
             </a:r>
             <a:r>
-              <a:rPr lang="en-US" sz="4800" b="1" dirty="0">
+              <a:rPr lang="en-US" sz="4800" b="1" dirty="0" smtClean="0">
                 <a:solidFill>
                   <a:srgbClr val="660033"/>
                 </a:solidFill>
@@ -4511,7 +4443,7 @@
                   <a:srgbClr val="660033"/>
                 </a:solidFill>
               </a:rPr>
-              <a:t>)</a:t>
+              <a:t>– 4 )</a:t>
             </a:r>
             <a:endParaRPr lang="vi-VN" sz="4800" b="1" dirty="0">
               <a:solidFill>
@@ -4608,13 +4540,6 @@
               </a:rPr>
               <a:t>主恩愛說不盡</a:t>
             </a:r>
-            <a:endParaRPr lang="zh-TW" altLang="en-US" sz="6400" b="1" dirty="0">
-              <a:solidFill>
-                <a:srgbClr val="660033"/>
-              </a:solidFill>
-              <a:latin typeface="Microsoft JhengHei" panose="020B0604030504040204" pitchFamily="34" charset="-120"/>
-              <a:ea typeface="Microsoft JhengHei" panose="020B0604030504040204" pitchFamily="34" charset="-120"/>
-            </a:endParaRPr>
           </a:p>
         </p:txBody>
       </p:sp>
@@ -4647,23 +4572,7 @@
                   <a:srgbClr val="660033"/>
                 </a:solidFill>
               </a:rPr>
-              <a:t>( </a:t>
-            </a:r>
-            <a:r>
-              <a:rPr lang="en-US" sz="4800" b="1" dirty="0">
-                <a:solidFill>
-                  <a:srgbClr val="660033"/>
-                </a:solidFill>
-              </a:rPr>
-              <a:t>4 </a:t>
-            </a:r>
-            <a:r>
-              <a:rPr lang="en-US" sz="4800" b="1" dirty="0">
-                <a:solidFill>
-                  <a:srgbClr val="660033"/>
-                </a:solidFill>
-              </a:rPr>
-              <a:t>)</a:t>
+              <a:t>( 4 – 4 )</a:t>
             </a:r>
             <a:endParaRPr lang="vi-VN" sz="4800" b="1" dirty="0">
               <a:solidFill>
@@ -4760,13 +4669,6 @@
               </a:rPr>
               <a:t>主愛口舌真說不盡</a:t>
             </a:r>
-            <a:endParaRPr lang="zh-TW" altLang="en-US" sz="6400" b="1" dirty="0">
-              <a:solidFill>
-                <a:srgbClr val="660033"/>
-              </a:solidFill>
-              <a:latin typeface="Microsoft JhengHei" panose="020B0604030504040204" pitchFamily="34" charset="-120"/>
-              <a:ea typeface="Microsoft JhengHei" panose="020B0604030504040204" pitchFamily="34" charset="-120"/>
-            </a:endParaRPr>
           </a:p>
         </p:txBody>
       </p:sp>
@@ -4857,13 +4759,6 @@
               </a:rPr>
               <a:t>口舌永說不盡</a:t>
             </a:r>
-            <a:endParaRPr lang="zh-TW" altLang="en-US" sz="6400" b="1" dirty="0">
-              <a:solidFill>
-                <a:srgbClr val="660033"/>
-              </a:solidFill>
-              <a:latin typeface="Microsoft JhengHei" panose="020B0604030504040204" pitchFamily="34" charset="-120"/>
-              <a:ea typeface="Microsoft JhengHei" panose="020B0604030504040204" pitchFamily="34" charset="-120"/>
-            </a:endParaRPr>
           </a:p>
         </p:txBody>
       </p:sp>
@@ -4937,17 +4832,7 @@
                 <a:latin typeface="微軟正黑體" pitchFamily="34" charset="-120"/>
                 <a:ea typeface="微軟正黑體" pitchFamily="34" charset="-120"/>
               </a:rPr>
-              <a:t>耶</a:t>
-            </a:r>
-            <a:r>
-              <a:rPr lang="zh-TW" altLang="en-US" sz="6400" b="1" dirty="0">
-                <a:solidFill>
-                  <a:srgbClr val="660033"/>
-                </a:solidFill>
-                <a:latin typeface="微軟正黑體" pitchFamily="34" charset="-120"/>
-                <a:ea typeface="微軟正黑體" pitchFamily="34" charset="-120"/>
-              </a:rPr>
-              <a:t>穌向我所存恩愛</a:t>
+              <a:t>耶穌向我所存恩愛</a:t>
             </a:r>
           </a:p>
           <a:p>
@@ -4999,12 +4884,12 @@
               <a:t>( </a:t>
             </a:r>
             <a:r>
-              <a:rPr lang="en-US" sz="4800" b="1" dirty="0">
+              <a:rPr lang="en-US" sz="4800" b="1" dirty="0" smtClean="0">
                 <a:solidFill>
                   <a:srgbClr val="660033"/>
                 </a:solidFill>
               </a:rPr>
-              <a:t>1 </a:t>
+              <a:t>1 – 4 </a:t>
             </a:r>
             <a:r>
               <a:rPr lang="en-US" sz="4800" b="1" dirty="0">
@@ -5109,13 +4994,6 @@
               </a:rPr>
               <a:t>主恩愛說不盡</a:t>
             </a:r>
-            <a:endParaRPr lang="zh-TW" altLang="en-US" sz="6400" b="1" dirty="0">
-              <a:solidFill>
-                <a:srgbClr val="660033"/>
-              </a:solidFill>
-              <a:latin typeface="Microsoft JhengHei" panose="020B0604030504040204" pitchFamily="34" charset="-120"/>
-              <a:ea typeface="Microsoft JhengHei" panose="020B0604030504040204" pitchFamily="34" charset="-120"/>
-            </a:endParaRPr>
           </a:p>
         </p:txBody>
       </p:sp>
@@ -5148,23 +5026,7 @@
                   <a:srgbClr val="660033"/>
                 </a:solidFill>
               </a:rPr>
-              <a:t>( </a:t>
-            </a:r>
-            <a:r>
-              <a:rPr lang="en-US" sz="4800" b="1" dirty="0">
-                <a:solidFill>
-                  <a:srgbClr val="660033"/>
-                </a:solidFill>
-              </a:rPr>
-              <a:t>1 </a:t>
-            </a:r>
-            <a:r>
-              <a:rPr lang="en-US" sz="4800" b="1" dirty="0">
-                <a:solidFill>
-                  <a:srgbClr val="660033"/>
-                </a:solidFill>
-              </a:rPr>
-              <a:t>)</a:t>
+              <a:t>( 1 – 4 )</a:t>
             </a:r>
             <a:endParaRPr lang="vi-VN" sz="4800" b="1" dirty="0">
               <a:solidFill>
@@ -5261,13 +5123,6 @@
               </a:rPr>
               <a:t>主愛口舌真說不盡</a:t>
             </a:r>
-            <a:endParaRPr lang="zh-TW" altLang="en-US" sz="6400" b="1" dirty="0">
-              <a:solidFill>
-                <a:srgbClr val="660033"/>
-              </a:solidFill>
-              <a:latin typeface="Microsoft JhengHei" panose="020B0604030504040204" pitchFamily="34" charset="-120"/>
-              <a:ea typeface="Microsoft JhengHei" panose="020B0604030504040204" pitchFamily="34" charset="-120"/>
-            </a:endParaRPr>
           </a:p>
         </p:txBody>
       </p:sp>
@@ -5358,13 +5213,6 @@
               </a:rPr>
               <a:t>口舌永說不盡</a:t>
             </a:r>
-            <a:endParaRPr lang="zh-TW" altLang="en-US" sz="6400" b="1" dirty="0">
-              <a:solidFill>
-                <a:srgbClr val="660033"/>
-              </a:solidFill>
-              <a:latin typeface="Microsoft JhengHei" panose="020B0604030504040204" pitchFamily="34" charset="-120"/>
-              <a:ea typeface="Microsoft JhengHei" panose="020B0604030504040204" pitchFamily="34" charset="-120"/>
-            </a:endParaRPr>
           </a:p>
         </p:txBody>
       </p:sp>
@@ -5455,13 +5303,6 @@
               </a:rPr>
               <a:t>被人凌辱戴荊棘冕</a:t>
             </a:r>
-            <a:endParaRPr lang="zh-TW" altLang="en-US" sz="6400" b="1" dirty="0">
-              <a:solidFill>
-                <a:srgbClr val="660033"/>
-              </a:solidFill>
-              <a:latin typeface="Microsoft JhengHei" panose="020B0604030504040204" pitchFamily="34" charset="-120"/>
-              <a:ea typeface="Microsoft JhengHei" panose="020B0604030504040204" pitchFamily="34" charset="-120"/>
-            </a:endParaRPr>
           </a:p>
         </p:txBody>
       </p:sp>
@@ -5497,7 +5338,7 @@
               <a:t>( </a:t>
             </a:r>
             <a:r>
-              <a:rPr lang="en-US" sz="4800" b="1" dirty="0">
+              <a:rPr lang="en-US" sz="4800" b="1" dirty="0" smtClean="0">
                 <a:solidFill>
                   <a:srgbClr val="660033"/>
                 </a:solidFill>
@@ -5510,7 +5351,7 @@
                   <a:srgbClr val="660033"/>
                 </a:solidFill>
               </a:rPr>
-              <a:t>)</a:t>
+              <a:t>– 4 )</a:t>
             </a:r>
             <a:endParaRPr lang="vi-VN" sz="4800" b="1" dirty="0">
               <a:solidFill>
@@ -5607,13 +5448,6 @@
               </a:rPr>
               <a:t>主恩愛說不盡</a:t>
             </a:r>
-            <a:endParaRPr lang="zh-TW" altLang="en-US" sz="6400" b="1" dirty="0">
-              <a:solidFill>
-                <a:srgbClr val="660033"/>
-              </a:solidFill>
-              <a:latin typeface="Microsoft JhengHei" panose="020B0604030504040204" pitchFamily="34" charset="-120"/>
-              <a:ea typeface="Microsoft JhengHei" panose="020B0604030504040204" pitchFamily="34" charset="-120"/>
-            </a:endParaRPr>
           </a:p>
         </p:txBody>
       </p:sp>
@@ -5646,23 +5480,7 @@
                   <a:srgbClr val="660033"/>
                 </a:solidFill>
               </a:rPr>
-              <a:t>( </a:t>
-            </a:r>
-            <a:r>
-              <a:rPr lang="en-US" sz="4800" b="1" dirty="0">
-                <a:solidFill>
-                  <a:srgbClr val="660033"/>
-                </a:solidFill>
-              </a:rPr>
-              <a:t>2 </a:t>
-            </a:r>
-            <a:r>
-              <a:rPr lang="en-US" sz="4800" b="1" dirty="0">
-                <a:solidFill>
-                  <a:srgbClr val="660033"/>
-                </a:solidFill>
-              </a:rPr>
-              <a:t>)</a:t>
+              <a:t>( 2 – 4 )</a:t>
             </a:r>
             <a:endParaRPr lang="vi-VN" sz="4800" b="1" dirty="0">
               <a:solidFill>
@@ -5759,13 +5577,6 @@
               </a:rPr>
               <a:t>主愛口舌真說不盡</a:t>
             </a:r>
-            <a:endParaRPr lang="zh-TW" altLang="en-US" sz="6400" b="1" dirty="0">
-              <a:solidFill>
-                <a:srgbClr val="660033"/>
-              </a:solidFill>
-              <a:latin typeface="Microsoft JhengHei" panose="020B0604030504040204" pitchFamily="34" charset="-120"/>
-              <a:ea typeface="Microsoft JhengHei" panose="020B0604030504040204" pitchFamily="34" charset="-120"/>
-            </a:endParaRPr>
           </a:p>
         </p:txBody>
       </p:sp>
@@ -5856,13 +5667,6 @@
               </a:rPr>
               <a:t>口舌永說不盡</a:t>
             </a:r>
-            <a:endParaRPr lang="zh-TW" altLang="en-US" sz="6400" b="1" dirty="0">
-              <a:solidFill>
-                <a:srgbClr val="660033"/>
-              </a:solidFill>
-              <a:latin typeface="Microsoft JhengHei" panose="020B0604030504040204" pitchFamily="34" charset="-120"/>
-              <a:ea typeface="Microsoft JhengHei" panose="020B0604030504040204" pitchFamily="34" charset="-120"/>
-            </a:endParaRPr>
           </a:p>
         </p:txBody>
       </p:sp>

--- a/宣道詩/(宣道詩211A)主愛說不盡.pptx
+++ b/宣道詩/(宣道詩211A)主愛說不盡.pptx
@@ -3984,12 +3984,20 @@
               <a:t>3 </a:t>
             </a:r>
             <a:r>
+              <a:rPr lang="en-US" sz="4800" b="1" dirty="0" smtClean="0">
+                <a:solidFill>
+                  <a:srgbClr val="660033"/>
+                </a:solidFill>
+              </a:rPr>
+              <a:t>/ </a:t>
+            </a:r>
+            <a:r>
               <a:rPr lang="en-US" sz="4800" b="1" dirty="0">
                 <a:solidFill>
                   <a:srgbClr val="660033"/>
                 </a:solidFill>
               </a:rPr>
-              <a:t>– 4 )</a:t>
+              <a:t>4 )</a:t>
             </a:r>
             <a:endParaRPr lang="vi-VN" sz="4800" b="1" dirty="0">
               <a:solidFill>
@@ -4118,7 +4126,7 @@
                   <a:srgbClr val="660033"/>
                 </a:solidFill>
               </a:rPr>
-              <a:t>( 3 – 4 )</a:t>
+              <a:t>( 3 / 4 )</a:t>
             </a:r>
             <a:endParaRPr lang="vi-VN" sz="4800" b="1" dirty="0">
               <a:solidFill>
@@ -4438,12 +4446,20 @@
               <a:t>4 </a:t>
             </a:r>
             <a:r>
+              <a:rPr lang="en-US" sz="4800" b="1" dirty="0" smtClean="0">
+                <a:solidFill>
+                  <a:srgbClr val="660033"/>
+                </a:solidFill>
+              </a:rPr>
+              <a:t>/ </a:t>
+            </a:r>
+            <a:r>
               <a:rPr lang="en-US" sz="4800" b="1" dirty="0">
                 <a:solidFill>
                   <a:srgbClr val="660033"/>
                 </a:solidFill>
               </a:rPr>
-              <a:t>– 4 )</a:t>
+              <a:t>4 )</a:t>
             </a:r>
             <a:endParaRPr lang="vi-VN" sz="4800" b="1" dirty="0">
               <a:solidFill>
@@ -4572,7 +4588,7 @@
                   <a:srgbClr val="660033"/>
                 </a:solidFill>
               </a:rPr>
-              <a:t>( 4 – 4 )</a:t>
+              <a:t>( 4 / 4 )</a:t>
             </a:r>
             <a:endParaRPr lang="vi-VN" sz="4800" b="1" dirty="0">
               <a:solidFill>
@@ -4889,7 +4905,23 @@
                   <a:srgbClr val="660033"/>
                 </a:solidFill>
               </a:rPr>
-              <a:t>1 – 4 </a:t>
+              <a:t>1 </a:t>
+            </a:r>
+            <a:r>
+              <a:rPr lang="en-US" sz="4800" b="1" dirty="0" smtClean="0">
+                <a:solidFill>
+                  <a:srgbClr val="660033"/>
+                </a:solidFill>
+              </a:rPr>
+              <a:t>/ </a:t>
+            </a:r>
+            <a:r>
+              <a:rPr lang="en-US" sz="4800" b="1" dirty="0" smtClean="0">
+                <a:solidFill>
+                  <a:srgbClr val="660033"/>
+                </a:solidFill>
+              </a:rPr>
+              <a:t>4 </a:t>
             </a:r>
             <a:r>
               <a:rPr lang="en-US" sz="4800" b="1" dirty="0">
@@ -5026,7 +5058,7 @@
                   <a:srgbClr val="660033"/>
                 </a:solidFill>
               </a:rPr>
-              <a:t>( 1 – 4 )</a:t>
+              <a:t>( 1 / 4 )</a:t>
             </a:r>
             <a:endParaRPr lang="vi-VN" sz="4800" b="1" dirty="0">
               <a:solidFill>
@@ -5346,12 +5378,20 @@
               <a:t>2 </a:t>
             </a:r>
             <a:r>
+              <a:rPr lang="en-US" sz="4800" b="1" dirty="0" smtClean="0">
+                <a:solidFill>
+                  <a:srgbClr val="660033"/>
+                </a:solidFill>
+              </a:rPr>
+              <a:t>/ </a:t>
+            </a:r>
+            <a:r>
               <a:rPr lang="en-US" sz="4800" b="1" dirty="0">
                 <a:solidFill>
                   <a:srgbClr val="660033"/>
                 </a:solidFill>
               </a:rPr>
-              <a:t>– 4 )</a:t>
+              <a:t>4 )</a:t>
             </a:r>
             <a:endParaRPr lang="vi-VN" sz="4800" b="1" dirty="0">
               <a:solidFill>
@@ -5480,7 +5520,7 @@
                   <a:srgbClr val="660033"/>
                 </a:solidFill>
               </a:rPr>
-              <a:t>( 2 – 4 )</a:t>
+              <a:t>( 2 / 4 )</a:t>
             </a:r>
             <a:endParaRPr lang="vi-VN" sz="4800" b="1" dirty="0">
               <a:solidFill>
